--- a/Excel Project PPT.pptx
+++ b/Excel Project PPT.pptx
@@ -132,7 +132,7 @@
 </file>
 
 <file path=ppt/charts/chart1.xml><?xml version="1.0" encoding="utf-8"?>
-<c:chartSpace xmlns:c="http://schemas.openxmlformats.org/drawingml/2006/chart" xmlns:a="http://schemas.openxmlformats.org/drawingml/2006/main" xmlns:r="http://schemas.openxmlformats.org/officeDocument/2006/relationships">
+<c:chartSpace xmlns:c="http://schemas.openxmlformats.org/drawingml/2006/chart" xmlns:a="http://schemas.openxmlformats.org/drawingml/2006/main" xmlns:r="http://schemas.openxmlformats.org/officeDocument/2006/relationships" xmlns:c16r2="http://schemas.microsoft.com/office/drawing/2015/06/chart">
   <c:date1904 val="0"/>
   <c:lang val="en-US"/>
   <c:roundedCorners val="0"/>
@@ -181,7 +181,6 @@
           </a:p>
         </c:rich>
       </c:tx>
-      <c:layout/>
       <c:overlay val="0"/>
       <c:spPr>
         <a:noFill/>
@@ -765,7 +764,6 @@
             <c:showLeaderLines val="0"/>
             <c:extLst>
               <c:ext xmlns:c15="http://schemas.microsoft.com/office/drawing/2012/chart" uri="{CE6537A1-D6FC-4f65-9D91-7224C49458BB}">
-                <c15:layout/>
                 <c15:showLeaderLines val="1"/>
                 <c15:leaderLines>
                   <c:spPr>
@@ -854,6 +852,11 @@
               </c:numCache>
             </c:numRef>
           </c:val>
+          <c:extLst>
+            <c:ext xmlns:c16="http://schemas.microsoft.com/office/drawing/2014/chart" uri="{C3380CC4-5D6E-409C-BE32-E72D297353CC}">
+              <c16:uniqueId val="{00000000-CC2A-4703-AAC8-FECBF4208A4D}"/>
+            </c:ext>
+          </c:extLst>
         </c:ser>
         <c:dLbls>
           <c:dLblPos val="outEnd"/>
@@ -1027,7 +1030,7 @@
 </file>
 
 <file path=ppt/charts/chart10.xml><?xml version="1.0" encoding="utf-8"?>
-<c:chartSpace xmlns:c="http://schemas.openxmlformats.org/drawingml/2006/chart" xmlns:a="http://schemas.openxmlformats.org/drawingml/2006/main" xmlns:r="http://schemas.openxmlformats.org/officeDocument/2006/relationships">
+<c:chartSpace xmlns:c="http://schemas.openxmlformats.org/drawingml/2006/chart" xmlns:a="http://schemas.openxmlformats.org/drawingml/2006/main" xmlns:r="http://schemas.openxmlformats.org/officeDocument/2006/relationships" xmlns:c16r2="http://schemas.microsoft.com/office/drawing/2015/06/chart">
   <c:date1904 val="0"/>
   <c:lang val="en-US"/>
   <c:roundedCorners val="0"/>
@@ -1076,7 +1079,6 @@
           </a:p>
         </c:rich>
       </c:tx>
-      <c:layout/>
       <c:overlay val="0"/>
       <c:spPr>
         <a:noFill/>
@@ -2349,6 +2351,11 @@
               </a:scene3d>
               <a:sp3d/>
             </c:spPr>
+            <c:extLst>
+              <c:ext xmlns:c16="http://schemas.microsoft.com/office/drawing/2014/chart" uri="{C3380CC4-5D6E-409C-BE32-E72D297353CC}">
+                <c16:uniqueId val="{00000001-FF42-4663-A4CC-6F88C06EDE88}"/>
+              </c:ext>
+            </c:extLst>
           </c:dPt>
           <c:dPt>
             <c:idx val="1"/>
@@ -2393,6 +2400,11 @@
               </a:scene3d>
               <a:sp3d/>
             </c:spPr>
+            <c:extLst>
+              <c:ext xmlns:c16="http://schemas.microsoft.com/office/drawing/2014/chart" uri="{C3380CC4-5D6E-409C-BE32-E72D297353CC}">
+                <c16:uniqueId val="{00000003-FF42-4663-A4CC-6F88C06EDE88}"/>
+              </c:ext>
+            </c:extLst>
           </c:dPt>
           <c:dPt>
             <c:idx val="2"/>
@@ -2437,6 +2449,11 @@
               </a:scene3d>
               <a:sp3d/>
             </c:spPr>
+            <c:extLst>
+              <c:ext xmlns:c16="http://schemas.microsoft.com/office/drawing/2014/chart" uri="{C3380CC4-5D6E-409C-BE32-E72D297353CC}">
+                <c16:uniqueId val="{00000005-FF42-4663-A4CC-6F88C06EDE88}"/>
+              </c:ext>
+            </c:extLst>
           </c:dPt>
           <c:dPt>
             <c:idx val="3"/>
@@ -2483,6 +2500,11 @@
               </a:scene3d>
               <a:sp3d/>
             </c:spPr>
+            <c:extLst>
+              <c:ext xmlns:c16="http://schemas.microsoft.com/office/drawing/2014/chart" uri="{C3380CC4-5D6E-409C-BE32-E72D297353CC}">
+                <c16:uniqueId val="{00000007-FF42-4663-A4CC-6F88C06EDE88}"/>
+              </c:ext>
+            </c:extLst>
           </c:dPt>
           <c:dLbls>
             <c:spPr>
@@ -2533,9 +2555,7 @@
               </c:spPr>
             </c:leaderLines>
             <c:extLst>
-              <c:ext xmlns:c15="http://schemas.microsoft.com/office/drawing/2012/chart" uri="{CE6537A1-D6FC-4f65-9D91-7224C49458BB}">
-                <c15:layout/>
-              </c:ext>
+              <c:ext xmlns:c15="http://schemas.microsoft.com/office/drawing/2012/chart" uri="{CE6537A1-D6FC-4f65-9D91-7224C49458BB}"/>
             </c:extLst>
           </c:dLbls>
           <c:cat>
@@ -2579,6 +2599,11 @@
               </c:numCache>
             </c:numRef>
           </c:val>
+          <c:extLst>
+            <c:ext xmlns:c16="http://schemas.microsoft.com/office/drawing/2014/chart" uri="{C3380CC4-5D6E-409C-BE32-E72D297353CC}">
+              <c16:uniqueId val="{00000008-FF42-4663-A4CC-6F88C06EDE88}"/>
+            </c:ext>
+          </c:extLst>
         </c:ser>
         <c:dLbls>
           <c:dLblPos val="bestFit"/>
@@ -2601,7 +2626,6 @@
     </c:plotArea>
     <c:legend>
       <c:legendPos val="r"/>
-      <c:layout/>
       <c:overlay val="0"/>
       <c:spPr>
         <a:noFill/>
@@ -2690,7 +2714,7 @@
 </file>
 
 <file path=ppt/charts/chart11.xml><?xml version="1.0" encoding="utf-8"?>
-<c:chartSpace xmlns:c="http://schemas.openxmlformats.org/drawingml/2006/chart" xmlns:a="http://schemas.openxmlformats.org/drawingml/2006/main" xmlns:r="http://schemas.openxmlformats.org/officeDocument/2006/relationships">
+<c:chartSpace xmlns:c="http://schemas.openxmlformats.org/drawingml/2006/chart" xmlns:a="http://schemas.openxmlformats.org/drawingml/2006/main" xmlns:r="http://schemas.openxmlformats.org/officeDocument/2006/relationships" xmlns:c16r2="http://schemas.microsoft.com/office/drawing/2015/06/chart">
   <c:date1904 val="0"/>
   <c:lang val="en-US"/>
   <c:roundedCorners val="0"/>
@@ -2739,7 +2763,6 @@
           </a:p>
         </c:rich>
       </c:tx>
-      <c:layout/>
       <c:overlay val="0"/>
       <c:spPr>
         <a:noFill/>
@@ -3369,7 +3392,6 @@
             <c:showLeaderLines val="0"/>
             <c:extLst>
               <c:ext xmlns:c15="http://schemas.microsoft.com/office/drawing/2012/chart" uri="{CE6537A1-D6FC-4f65-9D91-7224C49458BB}">
-                <c15:layout/>
                 <c15:showLeaderLines val="1"/>
                 <c15:leaderLines>
                   <c:spPr>
@@ -3422,6 +3444,11 @@
               </c:numCache>
             </c:numRef>
           </c:val>
+          <c:extLst>
+            <c:ext xmlns:c16="http://schemas.microsoft.com/office/drawing/2014/chart" uri="{C3380CC4-5D6E-409C-BE32-E72D297353CC}">
+              <c16:uniqueId val="{00000000-7ACC-4344-B029-A5CA540B6720}"/>
+            </c:ext>
+          </c:extLst>
         </c:ser>
         <c:dLbls>
           <c:dLblPos val="outEnd"/>
@@ -3595,7 +3622,7 @@
 </file>
 
 <file path=ppt/charts/chart2.xml><?xml version="1.0" encoding="utf-8"?>
-<c:chartSpace xmlns:c="http://schemas.openxmlformats.org/drawingml/2006/chart" xmlns:a="http://schemas.openxmlformats.org/drawingml/2006/main" xmlns:r="http://schemas.openxmlformats.org/officeDocument/2006/relationships">
+<c:chartSpace xmlns:c="http://schemas.openxmlformats.org/drawingml/2006/chart" xmlns:a="http://schemas.openxmlformats.org/drawingml/2006/main" xmlns:r="http://schemas.openxmlformats.org/officeDocument/2006/relationships" xmlns:c16r2="http://schemas.microsoft.com/office/drawing/2015/06/chart">
   <c:date1904 val="0"/>
   <c:lang val="en-US"/>
   <c:roundedCorners val="0"/>
@@ -3644,7 +3671,6 @@
           </a:p>
         </c:rich>
       </c:tx>
-      <c:layout/>
       <c:overlay val="0"/>
       <c:spPr>
         <a:noFill/>
@@ -4099,6 +4125,11 @@
               </c:numCache>
             </c:numRef>
           </c:val>
+          <c:extLst>
+            <c:ext xmlns:c16="http://schemas.microsoft.com/office/drawing/2014/chart" uri="{C3380CC4-5D6E-409C-BE32-E72D297353CC}">
+              <c16:uniqueId val="{00000000-E7C6-4C86-942C-8A9A96D395AC}"/>
+            </c:ext>
+          </c:extLst>
         </c:ser>
         <c:dLbls>
           <c:showLegendKey val="0"/>
@@ -4271,7 +4302,7 @@
 </file>
 
 <file path=ppt/charts/chart3.xml><?xml version="1.0" encoding="utf-8"?>
-<c:chartSpace xmlns:c="http://schemas.openxmlformats.org/drawingml/2006/chart" xmlns:a="http://schemas.openxmlformats.org/drawingml/2006/main" xmlns:r="http://schemas.openxmlformats.org/officeDocument/2006/relationships">
+<c:chartSpace xmlns:c="http://schemas.openxmlformats.org/drawingml/2006/chart" xmlns:a="http://schemas.openxmlformats.org/drawingml/2006/main" xmlns:r="http://schemas.openxmlformats.org/officeDocument/2006/relationships" xmlns:c16r2="http://schemas.microsoft.com/office/drawing/2015/06/chart">
   <c:date1904 val="0"/>
   <c:lang val="en-US"/>
   <c:roundedCorners val="0"/>
@@ -4313,7 +4344,6 @@
           </a:p>
         </c:rich>
       </c:tx>
-      <c:layout/>
       <c:overlay val="0"/>
       <c:spPr>
         <a:noFill/>
@@ -4774,7 +4804,6 @@
             <c:showLeaderLines val="0"/>
             <c:extLst>
               <c:ext xmlns:c15="http://schemas.microsoft.com/office/drawing/2012/chart" uri="{CE6537A1-D6FC-4f65-9D91-7224C49458BB}">
-                <c15:layout/>
                 <c15:showLeaderLines val="1"/>
                 <c15:leaderLines>
                   <c:spPr>
@@ -4905,6 +4934,11 @@
               </c:numCache>
             </c:numRef>
           </c:val>
+          <c:extLst>
+            <c:ext xmlns:c16="http://schemas.microsoft.com/office/drawing/2014/chart" uri="{C3380CC4-5D6E-409C-BE32-E72D297353CC}">
+              <c16:uniqueId val="{00000000-1BEF-4ABC-A220-92F21D71194F}"/>
+            </c:ext>
+          </c:extLst>
         </c:ser>
         <c:dLbls>
           <c:showLegendKey val="0"/>
@@ -5080,7 +5114,7 @@
 </file>
 
 <file path=ppt/charts/chart4.xml><?xml version="1.0" encoding="utf-8"?>
-<c:chartSpace xmlns:c="http://schemas.openxmlformats.org/drawingml/2006/chart" xmlns:a="http://schemas.openxmlformats.org/drawingml/2006/main" xmlns:r="http://schemas.openxmlformats.org/officeDocument/2006/relationships">
+<c:chartSpace xmlns:c="http://schemas.openxmlformats.org/drawingml/2006/chart" xmlns:a="http://schemas.openxmlformats.org/drawingml/2006/main" xmlns:r="http://schemas.openxmlformats.org/officeDocument/2006/relationships" xmlns:c16r2="http://schemas.microsoft.com/office/drawing/2015/06/chart">
   <c:date1904 val="0"/>
   <c:lang val="en-US"/>
   <c:roundedCorners val="0"/>
@@ -5129,7 +5163,6 @@
           </a:p>
         </c:rich>
       </c:tx>
-      <c:layout/>
       <c:overlay val="0"/>
       <c:spPr>
         <a:noFill/>
@@ -6576,6 +6609,11 @@
                 <a:bevelT w="25400" h="12700"/>
               </a:sp3d>
             </c:spPr>
+            <c:extLst>
+              <c:ext xmlns:c16="http://schemas.microsoft.com/office/drawing/2014/chart" uri="{C3380CC4-5D6E-409C-BE32-E72D297353CC}">
+                <c16:uniqueId val="{00000001-6D87-4CF1-8F16-600CAF41EF8F}"/>
+              </c:ext>
+            </c:extLst>
           </c:dPt>
           <c:dPt>
             <c:idx val="1"/>
@@ -6622,6 +6660,11 @@
                 <a:bevelT w="25400" h="12700"/>
               </a:sp3d>
             </c:spPr>
+            <c:extLst>
+              <c:ext xmlns:c16="http://schemas.microsoft.com/office/drawing/2014/chart" uri="{C3380CC4-5D6E-409C-BE32-E72D297353CC}">
+                <c16:uniqueId val="{00000003-6D87-4CF1-8F16-600CAF41EF8F}"/>
+              </c:ext>
+            </c:extLst>
           </c:dPt>
           <c:dPt>
             <c:idx val="2"/>
@@ -6668,6 +6711,11 @@
                 <a:bevelT w="25400" h="12700"/>
               </a:sp3d>
             </c:spPr>
+            <c:extLst>
+              <c:ext xmlns:c16="http://schemas.microsoft.com/office/drawing/2014/chart" uri="{C3380CC4-5D6E-409C-BE32-E72D297353CC}">
+                <c16:uniqueId val="{00000005-6D87-4CF1-8F16-600CAF41EF8F}"/>
+              </c:ext>
+            </c:extLst>
           </c:dPt>
           <c:dPt>
             <c:idx val="3"/>
@@ -6716,6 +6764,11 @@
                 <a:bevelT w="25400" h="12700"/>
               </a:sp3d>
             </c:spPr>
+            <c:extLst>
+              <c:ext xmlns:c16="http://schemas.microsoft.com/office/drawing/2014/chart" uri="{C3380CC4-5D6E-409C-BE32-E72D297353CC}">
+                <c16:uniqueId val="{00000007-6D87-4CF1-8F16-600CAF41EF8F}"/>
+              </c:ext>
+            </c:extLst>
           </c:dPt>
           <c:dLbls>
             <c:spPr>
@@ -6766,9 +6819,7 @@
               </c:spPr>
             </c:leaderLines>
             <c:extLst>
-              <c:ext xmlns:c15="http://schemas.microsoft.com/office/drawing/2012/chart" uri="{CE6537A1-D6FC-4f65-9D91-7224C49458BB}">
-                <c15:layout/>
-              </c:ext>
+              <c:ext xmlns:c15="http://schemas.microsoft.com/office/drawing/2012/chart" uri="{CE6537A1-D6FC-4f65-9D91-7224C49458BB}"/>
             </c:extLst>
           </c:dLbls>
           <c:cat>
@@ -6812,6 +6863,11 @@
               </c:numCache>
             </c:numRef>
           </c:val>
+          <c:extLst>
+            <c:ext xmlns:c16="http://schemas.microsoft.com/office/drawing/2014/chart" uri="{C3380CC4-5D6E-409C-BE32-E72D297353CC}">
+              <c16:uniqueId val="{00000008-6D87-4CF1-8F16-600CAF41EF8F}"/>
+            </c:ext>
+          </c:extLst>
         </c:ser>
         <c:dLbls>
           <c:dLblPos val="outEnd"/>
@@ -6835,7 +6891,6 @@
     </c:plotArea>
     <c:legend>
       <c:legendPos val="r"/>
-      <c:layout/>
       <c:overlay val="0"/>
       <c:spPr>
         <a:noFill/>
@@ -6924,7 +6979,7 @@
 </file>
 
 <file path=ppt/charts/chart5.xml><?xml version="1.0" encoding="utf-8"?>
-<c:chartSpace xmlns:c="http://schemas.openxmlformats.org/drawingml/2006/chart" xmlns:a="http://schemas.openxmlformats.org/drawingml/2006/main" xmlns:r="http://schemas.openxmlformats.org/officeDocument/2006/relationships">
+<c:chartSpace xmlns:c="http://schemas.openxmlformats.org/drawingml/2006/chart" xmlns:a="http://schemas.openxmlformats.org/drawingml/2006/main" xmlns:r="http://schemas.openxmlformats.org/officeDocument/2006/relationships" xmlns:c16r2="http://schemas.microsoft.com/office/drawing/2015/06/chart">
   <c:date1904 val="0"/>
   <c:lang val="en-US"/>
   <c:roundedCorners val="0"/>
@@ -7686,6 +7741,11 @@
             </c:numRef>
           </c:val>
           <c:smooth val="0"/>
+          <c:extLst>
+            <c:ext xmlns:c16="http://schemas.microsoft.com/office/drawing/2014/chart" uri="{C3380CC4-5D6E-409C-BE32-E72D297353CC}">
+              <c16:uniqueId val="{00000000-D43E-452E-9B50-CC059D5F6C27}"/>
+            </c:ext>
+          </c:extLst>
         </c:ser>
         <c:dLbls>
           <c:showLegendKey val="0"/>
@@ -7858,7 +7918,7 @@
 </file>
 
 <file path=ppt/charts/chart6.xml><?xml version="1.0" encoding="utf-8"?>
-<c:chartSpace xmlns:c="http://schemas.openxmlformats.org/drawingml/2006/chart" xmlns:a="http://schemas.openxmlformats.org/drawingml/2006/main" xmlns:r="http://schemas.openxmlformats.org/officeDocument/2006/relationships">
+<c:chartSpace xmlns:c="http://schemas.openxmlformats.org/drawingml/2006/chart" xmlns:a="http://schemas.openxmlformats.org/drawingml/2006/main" xmlns:r="http://schemas.openxmlformats.org/officeDocument/2006/relationships" xmlns:c16r2="http://schemas.microsoft.com/office/drawing/2015/06/chart">
   <c:date1904 val="0"/>
   <c:lang val="en-US"/>
   <c:roundedCorners val="0"/>
@@ -7907,7 +7967,6 @@
           </a:p>
         </c:rich>
       </c:tx>
-      <c:layout/>
       <c:overlay val="0"/>
       <c:spPr>
         <a:noFill/>
@@ -8537,7 +8596,6 @@
             <c:showLeaderLines val="0"/>
             <c:extLst>
               <c:ext xmlns:c15="http://schemas.microsoft.com/office/drawing/2012/chart" uri="{CE6537A1-D6FC-4f65-9D91-7224C49458BB}">
-                <c15:layout/>
                 <c15:showLeaderLines val="1"/>
                 <c15:leaderLines>
                   <c:spPr>
@@ -8596,6 +8654,11 @@
               </c:numCache>
             </c:numRef>
           </c:val>
+          <c:extLst>
+            <c:ext xmlns:c16="http://schemas.microsoft.com/office/drawing/2014/chart" uri="{C3380CC4-5D6E-409C-BE32-E72D297353CC}">
+              <c16:uniqueId val="{00000000-BC3C-4CD7-A9E4-796166934225}"/>
+            </c:ext>
+          </c:extLst>
         </c:ser>
         <c:dLbls>
           <c:dLblPos val="outEnd"/>
@@ -8771,7 +8834,7 @@
 </file>
 
 <file path=ppt/charts/chart7.xml><?xml version="1.0" encoding="utf-8"?>
-<c:chartSpace xmlns:c="http://schemas.openxmlformats.org/drawingml/2006/chart" xmlns:a="http://schemas.openxmlformats.org/drawingml/2006/main" xmlns:r="http://schemas.openxmlformats.org/officeDocument/2006/relationships">
+<c:chartSpace xmlns:c="http://schemas.openxmlformats.org/drawingml/2006/chart" xmlns:a="http://schemas.openxmlformats.org/drawingml/2006/main" xmlns:r="http://schemas.openxmlformats.org/officeDocument/2006/relationships" xmlns:c16r2="http://schemas.microsoft.com/office/drawing/2015/06/chart">
   <c:date1904 val="0"/>
   <c:lang val="en-US"/>
   <c:roundedCorners val="0"/>
@@ -9769,7 +9832,6 @@
             <c:showLeaderLines val="0"/>
             <c:extLst>
               <c:ext xmlns:c15="http://schemas.microsoft.com/office/drawing/2012/chart" uri="{CE6537A1-D6FC-4f65-9D91-7224C49458BB}">
-                <c15:layout/>
                 <c15:showLeaderLines val="1"/>
                 <c15:leaderLines>
                   <c:spPr>
@@ -9858,6 +9920,11 @@
               </c:numCache>
             </c:numRef>
           </c:val>
+          <c:extLst>
+            <c:ext xmlns:c16="http://schemas.microsoft.com/office/drawing/2014/chart" uri="{C3380CC4-5D6E-409C-BE32-E72D297353CC}">
+              <c16:uniqueId val="{00000000-395D-40B6-8BE4-69EE531307FB}"/>
+            </c:ext>
+          </c:extLst>
         </c:ser>
         <c:dLbls>
           <c:dLblPos val="outEnd"/>
@@ -10031,7 +10098,7 @@
 </file>
 
 <file path=ppt/charts/chart8.xml><?xml version="1.0" encoding="utf-8"?>
-<c:chartSpace xmlns:c="http://schemas.openxmlformats.org/drawingml/2006/chart" xmlns:a="http://schemas.openxmlformats.org/drawingml/2006/main" xmlns:r="http://schemas.openxmlformats.org/officeDocument/2006/relationships">
+<c:chartSpace xmlns:c="http://schemas.openxmlformats.org/drawingml/2006/chart" xmlns:a="http://schemas.openxmlformats.org/drawingml/2006/main" xmlns:r="http://schemas.openxmlformats.org/officeDocument/2006/relationships" xmlns:c16r2="http://schemas.microsoft.com/office/drawing/2015/06/chart">
   <c:date1904 val="0"/>
   <c:lang val="en-US"/>
   <c:roundedCorners val="0"/>
@@ -10080,7 +10147,6 @@
           </a:p>
         </c:rich>
       </c:tx>
-      <c:layout/>
       <c:overlay val="0"/>
       <c:spPr>
         <a:noFill/>
@@ -10493,6 +10559,11 @@
               </c:numCache>
             </c:numRef>
           </c:val>
+          <c:extLst>
+            <c:ext xmlns:c16="http://schemas.microsoft.com/office/drawing/2014/chart" uri="{C3380CC4-5D6E-409C-BE32-E72D297353CC}">
+              <c16:uniqueId val="{00000000-709C-45A3-BF84-B5926CCA0113}"/>
+            </c:ext>
+          </c:extLst>
         </c:ser>
         <c:dLbls>
           <c:showLegendKey val="0"/>
@@ -10665,7 +10736,7 @@
 </file>
 
 <file path=ppt/charts/chart9.xml><?xml version="1.0" encoding="utf-8"?>
-<c:chartSpace xmlns:c="http://schemas.openxmlformats.org/drawingml/2006/chart" xmlns:a="http://schemas.openxmlformats.org/drawingml/2006/main" xmlns:r="http://schemas.openxmlformats.org/officeDocument/2006/relationships">
+<c:chartSpace xmlns:c="http://schemas.openxmlformats.org/drawingml/2006/chart" xmlns:a="http://schemas.openxmlformats.org/drawingml/2006/main" xmlns:r="http://schemas.openxmlformats.org/officeDocument/2006/relationships" xmlns:c16r2="http://schemas.microsoft.com/office/drawing/2015/06/chart">
   <c:date1904 val="0"/>
   <c:lang val="en-US"/>
   <c:roundedCorners val="0"/>
@@ -11305,7 +11376,6 @@
             <c:showLeaderLines val="0"/>
             <c:extLst>
               <c:ext xmlns:c15="http://schemas.microsoft.com/office/drawing/2012/chart" uri="{CE6537A1-D6FC-4f65-9D91-7224C49458BB}">
-                <c15:layout/>
                 <c15:showLeaderLines val="1"/>
                 <c15:leaderLines>
                   <c:spPr>
@@ -11398,6 +11468,11 @@
               </c:numCache>
             </c:numRef>
           </c:val>
+          <c:extLst>
+            <c:ext xmlns:c16="http://schemas.microsoft.com/office/drawing/2014/chart" uri="{C3380CC4-5D6E-409C-BE32-E72D297353CC}">
+              <c16:uniqueId val="{00000000-DBFB-4B68-B9D1-E0E05E6672F6}"/>
+            </c:ext>
+          </c:extLst>
         </c:ser>
         <c:dLbls>
           <c:dLblPos val="outEnd"/>
@@ -17582,7 +17657,7 @@
           </a:lstStyle>
           <a:p>
             <a:r>
-              <a:rPr lang="en-US" smtClean="0"/>
+              <a:rPr lang="en-US"/>
               <a:t>Click to edit Master title style</a:t>
             </a:r>
             <a:endParaRPr lang="en-US" dirty="0"/>
@@ -17701,7 +17776,7 @@
           </a:lstStyle>
           <a:p>
             <a:r>
-              <a:rPr lang="en-US" smtClean="0"/>
+              <a:rPr lang="en-US"/>
               <a:t>Click to edit Master subtitle style</a:t>
             </a:r>
             <a:endParaRPr lang="en-US" dirty="0"/>
@@ -17725,7 +17800,7 @@
           <a:p>
             <a:fld id="{A013F41D-5B05-4B82-9EAE-6BF878066524}" type="datetimeFigureOut">
               <a:rPr lang="en-US" smtClean="0"/>
-              <a:t>9/20/2021</a:t>
+              <a:t>6/24/2023</a:t>
             </a:fld>
             <a:endParaRPr lang="en-US"/>
           </a:p>
@@ -17835,7 +17910,7 @@
           </a:lstStyle>
           <a:p>
             <a:r>
-              <a:rPr lang="en-US" smtClean="0"/>
+              <a:rPr lang="en-US"/>
               <a:t>Click to edit Master title style</a:t>
             </a:r>
             <a:endParaRPr lang="en-US" dirty="0"/>
@@ -17930,7 +18005,7 @@
           </a:lstStyle>
           <a:p>
             <a:r>
-              <a:rPr lang="en-US" smtClean="0"/>
+              <a:rPr lang="en-US"/>
               <a:t>Click icon to add picture</a:t>
             </a:r>
             <a:endParaRPr lang="en-US" dirty="0"/>
@@ -17998,7 +18073,7 @@
           <a:p>
             <a:pPr lvl="0"/>
             <a:r>
-              <a:rPr lang="en-US" smtClean="0"/>
+              <a:rPr lang="en-US"/>
               <a:t>Click to edit Master text styles</a:t>
             </a:r>
           </a:p>
@@ -18021,7 +18096,7 @@
           <a:p>
             <a:fld id="{A013F41D-5B05-4B82-9EAE-6BF878066524}" type="datetimeFigureOut">
               <a:rPr lang="en-US" smtClean="0"/>
-              <a:t>9/20/2021</a:t>
+              <a:t>6/24/2023</a:t>
             </a:fld>
             <a:endParaRPr lang="en-US"/>
           </a:p>
@@ -18126,7 +18201,7 @@
           </a:lstStyle>
           <a:p>
             <a:r>
-              <a:rPr lang="en-US" smtClean="0"/>
+              <a:rPr lang="en-US"/>
               <a:t>Click to edit Master title style</a:t>
             </a:r>
             <a:endParaRPr lang="en-US" dirty="0"/>
@@ -18246,7 +18321,7 @@
           <a:p>
             <a:pPr lvl="0"/>
             <a:r>
-              <a:rPr lang="en-US" smtClean="0"/>
+              <a:rPr lang="en-US"/>
               <a:t>Click to edit Master text styles</a:t>
             </a:r>
           </a:p>
@@ -18269,7 +18344,7 @@
           <a:p>
             <a:fld id="{A013F41D-5B05-4B82-9EAE-6BF878066524}" type="datetimeFigureOut">
               <a:rPr lang="en-US" smtClean="0"/>
-              <a:t>9/20/2021</a:t>
+              <a:t>6/24/2023</a:t>
             </a:fld>
             <a:endParaRPr lang="en-US"/>
           </a:p>
@@ -18610,7 +18685,7 @@
           </a:lstStyle>
           <a:p>
             <a:r>
-              <a:rPr lang="en-US" smtClean="0"/>
+              <a:rPr lang="en-US"/>
               <a:t>Click to edit Master title style</a:t>
             </a:r>
             <a:endParaRPr lang="en-US" dirty="0"/>
@@ -18667,7 +18742,7 @@
           <a:p>
             <a:pPr lvl="0"/>
             <a:r>
-              <a:rPr lang="en-US" smtClean="0"/>
+              <a:rPr lang="en-US"/>
               <a:t>Click to edit Master text styles</a:t>
             </a:r>
           </a:p>
@@ -18786,7 +18861,7 @@
           <a:p>
             <a:pPr lvl="0"/>
             <a:r>
-              <a:rPr lang="en-US" smtClean="0"/>
+              <a:rPr lang="en-US"/>
               <a:t>Click to edit Master text styles</a:t>
             </a:r>
           </a:p>
@@ -18809,7 +18884,7 @@
           <a:p>
             <a:fld id="{A013F41D-5B05-4B82-9EAE-6BF878066524}" type="datetimeFigureOut">
               <a:rPr lang="en-US" smtClean="0"/>
-              <a:t>9/20/2021</a:t>
+              <a:t>6/24/2023</a:t>
             </a:fld>
             <a:endParaRPr lang="en-US"/>
           </a:p>
@@ -18914,7 +18989,7 @@
           </a:lstStyle>
           <a:p>
             <a:r>
-              <a:rPr lang="en-US" smtClean="0"/>
+              <a:rPr lang="en-US"/>
               <a:t>Click to edit Master title style</a:t>
             </a:r>
             <a:endParaRPr lang="en-US" dirty="0"/>
@@ -19034,7 +19109,7 @@
           <a:p>
             <a:pPr lvl="0"/>
             <a:r>
-              <a:rPr lang="en-US" smtClean="0"/>
+              <a:rPr lang="en-US"/>
               <a:t>Click to edit Master text styles</a:t>
             </a:r>
           </a:p>
@@ -19057,7 +19132,7 @@
           <a:p>
             <a:fld id="{A013F41D-5B05-4B82-9EAE-6BF878066524}" type="datetimeFigureOut">
               <a:rPr lang="en-US" smtClean="0"/>
-              <a:t>9/20/2021</a:t>
+              <a:t>6/24/2023</a:t>
             </a:fld>
             <a:endParaRPr lang="en-US"/>
           </a:p>
@@ -19398,7 +19473,7 @@
           </a:lstStyle>
           <a:p>
             <a:r>
-              <a:rPr lang="en-US" smtClean="0"/>
+              <a:rPr lang="en-US"/>
               <a:t>Click to edit Master title style</a:t>
             </a:r>
             <a:endParaRPr lang="en-US" dirty="0"/>
@@ -19447,7 +19522,7 @@
               <a:buNone/>
             </a:pPr>
             <a:r>
-              <a:rPr lang="en-US" smtClean="0"/>
+              <a:rPr lang="en-US"/>
               <a:t>Click to edit Master text styles</a:t>
             </a:r>
           </a:p>
@@ -19566,7 +19641,7 @@
           <a:p>
             <a:pPr lvl="0"/>
             <a:r>
-              <a:rPr lang="en-US" smtClean="0"/>
+              <a:rPr lang="en-US"/>
               <a:t>Click to edit Master text styles</a:t>
             </a:r>
           </a:p>
@@ -19589,7 +19664,7 @@
           <a:p>
             <a:fld id="{A013F41D-5B05-4B82-9EAE-6BF878066524}" type="datetimeFigureOut">
               <a:rPr lang="en-US" smtClean="0"/>
-              <a:t>9/20/2021</a:t>
+              <a:t>6/24/2023</a:t>
             </a:fld>
             <a:endParaRPr lang="en-US"/>
           </a:p>
@@ -19695,7 +19770,7 @@
           <a:p>
             <a:pPr marL="0" lvl="0"/>
             <a:r>
-              <a:rPr lang="en-US" smtClean="0"/>
+              <a:rPr lang="en-US"/>
               <a:t>Click to edit Master title style</a:t>
             </a:r>
             <a:endParaRPr lang="en-US" dirty="0"/>
@@ -19744,7 +19819,7 @@
               <a:buNone/>
             </a:pPr>
             <a:r>
-              <a:rPr lang="en-US" smtClean="0"/>
+              <a:rPr lang="en-US"/>
               <a:t>Click to edit Master text styles</a:t>
             </a:r>
           </a:p>
@@ -19863,7 +19938,7 @@
           <a:p>
             <a:pPr lvl="0"/>
             <a:r>
-              <a:rPr lang="en-US" smtClean="0"/>
+              <a:rPr lang="en-US"/>
               <a:t>Click to edit Master text styles</a:t>
             </a:r>
           </a:p>
@@ -19886,7 +19961,7 @@
           <a:p>
             <a:fld id="{A013F41D-5B05-4B82-9EAE-6BF878066524}" type="datetimeFigureOut">
               <a:rPr lang="en-US" smtClean="0"/>
-              <a:t>9/20/2021</a:t>
+              <a:t>6/24/2023</a:t>
             </a:fld>
             <a:endParaRPr lang="en-US"/>
           </a:p>
@@ -19984,7 +20059,7 @@
           </a:lstStyle>
           <a:p>
             <a:r>
-              <a:rPr lang="en-US" smtClean="0"/>
+              <a:rPr lang="en-US"/>
               <a:t>Click to edit Master title style</a:t>
             </a:r>
             <a:endParaRPr lang="en-US" dirty="0"/>
@@ -20008,35 +20083,35 @@
           <a:p>
             <a:pPr lvl="0"/>
             <a:r>
-              <a:rPr lang="en-US" smtClean="0"/>
+              <a:rPr lang="en-US"/>
               <a:t>Click to edit Master text styles</a:t>
             </a:r>
           </a:p>
           <a:p>
             <a:pPr lvl="1"/>
             <a:r>
-              <a:rPr lang="en-US" smtClean="0"/>
+              <a:rPr lang="en-US"/>
               <a:t>Second level</a:t>
             </a:r>
           </a:p>
           <a:p>
             <a:pPr lvl="2"/>
             <a:r>
-              <a:rPr lang="en-US" smtClean="0"/>
+              <a:rPr lang="en-US"/>
               <a:t>Third level</a:t>
             </a:r>
           </a:p>
           <a:p>
             <a:pPr lvl="3"/>
             <a:r>
-              <a:rPr lang="en-US" smtClean="0"/>
+              <a:rPr lang="en-US"/>
               <a:t>Fourth level</a:t>
             </a:r>
           </a:p>
           <a:p>
             <a:pPr lvl="4"/>
             <a:r>
-              <a:rPr lang="en-US" smtClean="0"/>
+              <a:rPr lang="en-US"/>
               <a:t>Fifth level</a:t>
             </a:r>
             <a:endParaRPr lang="en-US" dirty="0"/>
@@ -20060,7 +20135,7 @@
           <a:p>
             <a:fld id="{A013F41D-5B05-4B82-9EAE-6BF878066524}" type="datetimeFigureOut">
               <a:rPr lang="en-US" smtClean="0"/>
-              <a:t>9/20/2021</a:t>
+              <a:t>6/24/2023</a:t>
             </a:fld>
             <a:endParaRPr lang="en-US"/>
           </a:p>
@@ -20159,7 +20234,7 @@
           <a:lstStyle/>
           <a:p>
             <a:r>
-              <a:rPr lang="en-US" smtClean="0"/>
+              <a:rPr lang="en-US"/>
               <a:t>Click to edit Master title style</a:t>
             </a:r>
             <a:endParaRPr lang="en-US" dirty="0"/>
@@ -20188,35 +20263,35 @@
           <a:p>
             <a:pPr lvl="0"/>
             <a:r>
-              <a:rPr lang="en-US" smtClean="0"/>
+              <a:rPr lang="en-US"/>
               <a:t>Click to edit Master text styles</a:t>
             </a:r>
           </a:p>
           <a:p>
             <a:pPr lvl="1"/>
             <a:r>
-              <a:rPr lang="en-US" smtClean="0"/>
+              <a:rPr lang="en-US"/>
               <a:t>Second level</a:t>
             </a:r>
           </a:p>
           <a:p>
             <a:pPr lvl="2"/>
             <a:r>
-              <a:rPr lang="en-US" smtClean="0"/>
+              <a:rPr lang="en-US"/>
               <a:t>Third level</a:t>
             </a:r>
           </a:p>
           <a:p>
             <a:pPr lvl="3"/>
             <a:r>
-              <a:rPr lang="en-US" smtClean="0"/>
+              <a:rPr lang="en-US"/>
               <a:t>Fourth level</a:t>
             </a:r>
           </a:p>
           <a:p>
             <a:pPr lvl="4"/>
             <a:r>
-              <a:rPr lang="en-US" smtClean="0"/>
+              <a:rPr lang="en-US"/>
               <a:t>Fifth level</a:t>
             </a:r>
             <a:endParaRPr lang="en-US" dirty="0"/>
@@ -20240,7 +20315,7 @@
           <a:p>
             <a:fld id="{A013F41D-5B05-4B82-9EAE-6BF878066524}" type="datetimeFigureOut">
               <a:rPr lang="en-US" smtClean="0"/>
-              <a:t>9/20/2021</a:t>
+              <a:t>6/24/2023</a:t>
             </a:fld>
             <a:endParaRPr lang="en-US"/>
           </a:p>
@@ -20334,7 +20409,7 @@
           <a:lstStyle/>
           <a:p>
             <a:r>
-              <a:rPr lang="en-US" smtClean="0"/>
+              <a:rPr lang="en-US"/>
               <a:t>Click to edit Master title style</a:t>
             </a:r>
             <a:endParaRPr lang="en-US" dirty="0"/>
@@ -20358,35 +20433,35 @@
           <a:p>
             <a:pPr lvl="0"/>
             <a:r>
-              <a:rPr lang="en-US" smtClean="0"/>
+              <a:rPr lang="en-US"/>
               <a:t>Click to edit Master text styles</a:t>
             </a:r>
           </a:p>
           <a:p>
             <a:pPr lvl="1"/>
             <a:r>
-              <a:rPr lang="en-US" smtClean="0"/>
+              <a:rPr lang="en-US"/>
               <a:t>Second level</a:t>
             </a:r>
           </a:p>
           <a:p>
             <a:pPr lvl="2"/>
             <a:r>
-              <a:rPr lang="en-US" smtClean="0"/>
+              <a:rPr lang="en-US"/>
               <a:t>Third level</a:t>
             </a:r>
           </a:p>
           <a:p>
             <a:pPr lvl="3"/>
             <a:r>
-              <a:rPr lang="en-US" smtClean="0"/>
+              <a:rPr lang="en-US"/>
               <a:t>Fourth level</a:t>
             </a:r>
           </a:p>
           <a:p>
             <a:pPr lvl="4"/>
             <a:r>
-              <a:rPr lang="en-US" smtClean="0"/>
+              <a:rPr lang="en-US"/>
               <a:t>Fifth level</a:t>
             </a:r>
             <a:endParaRPr lang="en-US" dirty="0"/>
@@ -20410,7 +20485,7 @@
           <a:p>
             <a:fld id="{A013F41D-5B05-4B82-9EAE-6BF878066524}" type="datetimeFigureOut">
               <a:rPr lang="en-US" smtClean="0"/>
-              <a:t>9/20/2021</a:t>
+              <a:t>6/24/2023</a:t>
             </a:fld>
             <a:endParaRPr lang="en-US"/>
           </a:p>
@@ -20518,7 +20593,7 @@
           </a:lstStyle>
           <a:p>
             <a:r>
-              <a:rPr lang="en-US" smtClean="0"/>
+              <a:rPr lang="en-US"/>
               <a:t>Click to edit Master title style</a:t>
             </a:r>
             <a:endParaRPr lang="en-US" dirty="0"/>
@@ -20638,7 +20713,7 @@
           <a:p>
             <a:pPr lvl="0"/>
             <a:r>
-              <a:rPr lang="en-US" smtClean="0"/>
+              <a:rPr lang="en-US"/>
               <a:t>Click to edit Master text styles</a:t>
             </a:r>
           </a:p>
@@ -20661,7 +20736,7 @@
           <a:p>
             <a:fld id="{A013F41D-5B05-4B82-9EAE-6BF878066524}" type="datetimeFigureOut">
               <a:rPr lang="en-US" smtClean="0"/>
-              <a:t>9/20/2021</a:t>
+              <a:t>6/24/2023</a:t>
             </a:fld>
             <a:endParaRPr lang="en-US"/>
           </a:p>
@@ -20760,7 +20835,7 @@
           <a:lstStyle/>
           <a:p>
             <a:r>
-              <a:rPr lang="en-US" smtClean="0"/>
+              <a:rPr lang="en-US"/>
               <a:t>Click to edit Master title style</a:t>
             </a:r>
             <a:endParaRPr lang="en-US" dirty="0"/>
@@ -20819,35 +20894,35 @@
           <a:p>
             <a:pPr lvl="0"/>
             <a:r>
-              <a:rPr lang="en-US" smtClean="0"/>
+              <a:rPr lang="en-US"/>
               <a:t>Click to edit Master text styles</a:t>
             </a:r>
           </a:p>
           <a:p>
             <a:pPr lvl="1"/>
             <a:r>
-              <a:rPr lang="en-US" smtClean="0"/>
+              <a:rPr lang="en-US"/>
               <a:t>Second level</a:t>
             </a:r>
           </a:p>
           <a:p>
             <a:pPr lvl="2"/>
             <a:r>
-              <a:rPr lang="en-US" smtClean="0"/>
+              <a:rPr lang="en-US"/>
               <a:t>Third level</a:t>
             </a:r>
           </a:p>
           <a:p>
             <a:pPr lvl="3"/>
             <a:r>
-              <a:rPr lang="en-US" smtClean="0"/>
+              <a:rPr lang="en-US"/>
               <a:t>Fourth level</a:t>
             </a:r>
           </a:p>
           <a:p>
             <a:pPr lvl="4"/>
             <a:r>
-              <a:rPr lang="en-US" smtClean="0"/>
+              <a:rPr lang="en-US"/>
               <a:t>Fifth level</a:t>
             </a:r>
             <a:endParaRPr lang="en-US" dirty="0"/>
@@ -20906,35 +20981,35 @@
           <a:p>
             <a:pPr lvl="0"/>
             <a:r>
-              <a:rPr lang="en-US" smtClean="0"/>
+              <a:rPr lang="en-US"/>
               <a:t>Click to edit Master text styles</a:t>
             </a:r>
           </a:p>
           <a:p>
             <a:pPr lvl="1"/>
             <a:r>
-              <a:rPr lang="en-US" smtClean="0"/>
+              <a:rPr lang="en-US"/>
               <a:t>Second level</a:t>
             </a:r>
           </a:p>
           <a:p>
             <a:pPr lvl="2"/>
             <a:r>
-              <a:rPr lang="en-US" smtClean="0"/>
+              <a:rPr lang="en-US"/>
               <a:t>Third level</a:t>
             </a:r>
           </a:p>
           <a:p>
             <a:pPr lvl="3"/>
             <a:r>
-              <a:rPr lang="en-US" smtClean="0"/>
+              <a:rPr lang="en-US"/>
               <a:t>Fourth level</a:t>
             </a:r>
           </a:p>
           <a:p>
             <a:pPr lvl="4"/>
             <a:r>
-              <a:rPr lang="en-US" smtClean="0"/>
+              <a:rPr lang="en-US"/>
               <a:t>Fifth level</a:t>
             </a:r>
             <a:endParaRPr lang="en-US" dirty="0"/>
@@ -20958,7 +21033,7 @@
           <a:p>
             <a:fld id="{A013F41D-5B05-4B82-9EAE-6BF878066524}" type="datetimeFigureOut">
               <a:rPr lang="en-US" smtClean="0"/>
-              <a:t>9/20/2021</a:t>
+              <a:t>6/24/2023</a:t>
             </a:fld>
             <a:endParaRPr lang="en-US"/>
           </a:p>
@@ -21056,7 +21131,7 @@
           </a:lstStyle>
           <a:p>
             <a:r>
-              <a:rPr lang="en-US" smtClean="0"/>
+              <a:rPr lang="en-US"/>
               <a:t>Click to edit Master title style</a:t>
             </a:r>
             <a:endParaRPr lang="en-US" dirty="0"/>
@@ -21130,7 +21205,7 @@
           <a:p>
             <a:pPr lvl="0"/>
             <a:r>
-              <a:rPr lang="en-US" smtClean="0"/>
+              <a:rPr lang="en-US"/>
               <a:t>Click to edit Master text styles</a:t>
             </a:r>
           </a:p>
@@ -21188,35 +21263,35 @@
           <a:p>
             <a:pPr lvl="0"/>
             <a:r>
-              <a:rPr lang="en-US" smtClean="0"/>
+              <a:rPr lang="en-US"/>
               <a:t>Click to edit Master text styles</a:t>
             </a:r>
           </a:p>
           <a:p>
             <a:pPr lvl="1"/>
             <a:r>
-              <a:rPr lang="en-US" smtClean="0"/>
+              <a:rPr lang="en-US"/>
               <a:t>Second level</a:t>
             </a:r>
           </a:p>
           <a:p>
             <a:pPr lvl="2"/>
             <a:r>
-              <a:rPr lang="en-US" smtClean="0"/>
+              <a:rPr lang="en-US"/>
               <a:t>Third level</a:t>
             </a:r>
           </a:p>
           <a:p>
             <a:pPr lvl="3"/>
             <a:r>
-              <a:rPr lang="en-US" smtClean="0"/>
+              <a:rPr lang="en-US"/>
               <a:t>Fourth level</a:t>
             </a:r>
           </a:p>
           <a:p>
             <a:pPr lvl="4"/>
             <a:r>
-              <a:rPr lang="en-US" smtClean="0"/>
+              <a:rPr lang="en-US"/>
               <a:t>Fifth level</a:t>
             </a:r>
             <a:endParaRPr lang="en-US" dirty="0"/>
@@ -21290,7 +21365,7 @@
           <a:p>
             <a:pPr lvl="0"/>
             <a:r>
-              <a:rPr lang="en-US" smtClean="0"/>
+              <a:rPr lang="en-US"/>
               <a:t>Click to edit Master text styles</a:t>
             </a:r>
           </a:p>
@@ -21348,35 +21423,35 @@
           <a:p>
             <a:pPr lvl="0"/>
             <a:r>
-              <a:rPr lang="en-US" smtClean="0"/>
+              <a:rPr lang="en-US"/>
               <a:t>Click to edit Master text styles</a:t>
             </a:r>
           </a:p>
           <a:p>
             <a:pPr lvl="1"/>
             <a:r>
-              <a:rPr lang="en-US" smtClean="0"/>
+              <a:rPr lang="en-US"/>
               <a:t>Second level</a:t>
             </a:r>
           </a:p>
           <a:p>
             <a:pPr lvl="2"/>
             <a:r>
-              <a:rPr lang="en-US" smtClean="0"/>
+              <a:rPr lang="en-US"/>
               <a:t>Third level</a:t>
             </a:r>
           </a:p>
           <a:p>
             <a:pPr lvl="3"/>
             <a:r>
-              <a:rPr lang="en-US" smtClean="0"/>
+              <a:rPr lang="en-US"/>
               <a:t>Fourth level</a:t>
             </a:r>
           </a:p>
           <a:p>
             <a:pPr lvl="4"/>
             <a:r>
-              <a:rPr lang="en-US" smtClean="0"/>
+              <a:rPr lang="en-US"/>
               <a:t>Fifth level</a:t>
             </a:r>
             <a:endParaRPr lang="en-US" dirty="0"/>
@@ -21400,7 +21475,7 @@
           <a:p>
             <a:fld id="{A013F41D-5B05-4B82-9EAE-6BF878066524}" type="datetimeFigureOut">
               <a:rPr lang="en-US" smtClean="0"/>
-              <a:t>9/20/2021</a:t>
+              <a:t>6/24/2023</a:t>
             </a:fld>
             <a:endParaRPr lang="en-US"/>
           </a:p>
@@ -21494,7 +21569,7 @@
           <a:lstStyle/>
           <a:p>
             <a:r>
-              <a:rPr lang="en-US" smtClean="0"/>
+              <a:rPr lang="en-US"/>
               <a:t>Click to edit Master title style</a:t>
             </a:r>
             <a:endParaRPr lang="en-US" dirty="0"/>
@@ -21518,7 +21593,7 @@
           <a:p>
             <a:fld id="{A013F41D-5B05-4B82-9EAE-6BF878066524}" type="datetimeFigureOut">
               <a:rPr lang="en-US" smtClean="0"/>
-              <a:t>9/20/2021</a:t>
+              <a:t>6/24/2023</a:t>
             </a:fld>
             <a:endParaRPr lang="en-US"/>
           </a:p>
@@ -21613,7 +21688,7 @@
           <a:p>
             <a:fld id="{A013F41D-5B05-4B82-9EAE-6BF878066524}" type="datetimeFigureOut">
               <a:rPr lang="en-US" smtClean="0"/>
-              <a:t>9/20/2021</a:t>
+              <a:t>6/24/2023</a:t>
             </a:fld>
             <a:endParaRPr lang="en-US"/>
           </a:p>
@@ -21718,7 +21793,7 @@
           </a:lstStyle>
           <a:p>
             <a:r>
-              <a:rPr lang="en-US" smtClean="0"/>
+              <a:rPr lang="en-US"/>
               <a:t>Click to edit Master title style</a:t>
             </a:r>
             <a:endParaRPr lang="en-US" dirty="0"/>
@@ -21777,35 +21852,35 @@
           <a:p>
             <a:pPr lvl="0"/>
             <a:r>
-              <a:rPr lang="en-US" smtClean="0"/>
+              <a:rPr lang="en-US"/>
               <a:t>Click to edit Master text styles</a:t>
             </a:r>
           </a:p>
           <a:p>
             <a:pPr lvl="1"/>
             <a:r>
-              <a:rPr lang="en-US" smtClean="0"/>
+              <a:rPr lang="en-US"/>
               <a:t>Second level</a:t>
             </a:r>
           </a:p>
           <a:p>
             <a:pPr lvl="2"/>
             <a:r>
-              <a:rPr lang="en-US" smtClean="0"/>
+              <a:rPr lang="en-US"/>
               <a:t>Third level</a:t>
             </a:r>
           </a:p>
           <a:p>
             <a:pPr lvl="3"/>
             <a:r>
-              <a:rPr lang="en-US" smtClean="0"/>
+              <a:rPr lang="en-US"/>
               <a:t>Fourth level</a:t>
             </a:r>
           </a:p>
           <a:p>
             <a:pPr lvl="4"/>
             <a:r>
-              <a:rPr lang="en-US" smtClean="0"/>
+              <a:rPr lang="en-US"/>
               <a:t>Fifth level</a:t>
             </a:r>
             <a:endParaRPr lang="en-US" dirty="0"/>
@@ -21873,7 +21948,7 @@
           <a:p>
             <a:pPr lvl="0"/>
             <a:r>
-              <a:rPr lang="en-US" smtClean="0"/>
+              <a:rPr lang="en-US"/>
               <a:t>Click to edit Master text styles</a:t>
             </a:r>
           </a:p>
@@ -21896,7 +21971,7 @@
           <a:p>
             <a:fld id="{A013F41D-5B05-4B82-9EAE-6BF878066524}" type="datetimeFigureOut">
               <a:rPr lang="en-US" smtClean="0"/>
-              <a:t>9/20/2021</a:t>
+              <a:t>6/24/2023</a:t>
             </a:fld>
             <a:endParaRPr lang="en-US"/>
           </a:p>
@@ -22001,7 +22076,7 @@
           </a:lstStyle>
           <a:p>
             <a:r>
-              <a:rPr lang="en-US" smtClean="0"/>
+              <a:rPr lang="en-US"/>
               <a:t>Click to edit Master title style</a:t>
             </a:r>
             <a:endParaRPr lang="en-US" dirty="0"/>
@@ -22096,7 +22171,7 @@
           </a:lstStyle>
           <a:p>
             <a:r>
-              <a:rPr lang="en-US" smtClean="0"/>
+              <a:rPr lang="en-US"/>
               <a:t>Click icon to add picture</a:t>
             </a:r>
             <a:endParaRPr lang="en-US" dirty="0"/>
@@ -22164,7 +22239,7 @@
           <a:p>
             <a:pPr lvl="0"/>
             <a:r>
-              <a:rPr lang="en-US" smtClean="0"/>
+              <a:rPr lang="en-US"/>
               <a:t>Click to edit Master text styles</a:t>
             </a:r>
           </a:p>
@@ -22187,7 +22262,7 @@
           <a:p>
             <a:fld id="{A013F41D-5B05-4B82-9EAE-6BF878066524}" type="datetimeFigureOut">
               <a:rPr lang="en-US" smtClean="0"/>
-              <a:t>9/20/2021</a:t>
+              <a:t>6/24/2023</a:t>
             </a:fld>
             <a:endParaRPr lang="en-US"/>
           </a:p>
@@ -22613,7 +22688,7 @@
           <a:lstStyle/>
           <a:p>
             <a:r>
-              <a:rPr lang="en-US" smtClean="0"/>
+              <a:rPr lang="en-US"/>
               <a:t>Click to edit Master title style</a:t>
             </a:r>
             <a:endParaRPr lang="en-US" dirty="0"/>
@@ -22647,35 +22722,35 @@
           <a:p>
             <a:pPr lvl="0"/>
             <a:r>
-              <a:rPr lang="en-US" smtClean="0"/>
+              <a:rPr lang="en-US"/>
               <a:t>Click to edit Master text styles</a:t>
             </a:r>
           </a:p>
           <a:p>
             <a:pPr lvl="1"/>
             <a:r>
-              <a:rPr lang="en-US" smtClean="0"/>
+              <a:rPr lang="en-US"/>
               <a:t>Second level</a:t>
             </a:r>
           </a:p>
           <a:p>
             <a:pPr lvl="2"/>
             <a:r>
-              <a:rPr lang="en-US" smtClean="0"/>
+              <a:rPr lang="en-US"/>
               <a:t>Third level</a:t>
             </a:r>
           </a:p>
           <a:p>
             <a:pPr lvl="3"/>
             <a:r>
-              <a:rPr lang="en-US" smtClean="0"/>
+              <a:rPr lang="en-US"/>
               <a:t>Fourth level</a:t>
             </a:r>
           </a:p>
           <a:p>
             <a:pPr lvl="4"/>
             <a:r>
-              <a:rPr lang="en-US" smtClean="0"/>
+              <a:rPr lang="en-US"/>
               <a:t>Fifth level</a:t>
             </a:r>
             <a:endParaRPr lang="en-US" dirty="0"/>
@@ -22717,7 +22792,7 @@
           <a:p>
             <a:fld id="{A013F41D-5B05-4B82-9EAE-6BF878066524}" type="datetimeFigureOut">
               <a:rPr lang="en-US" smtClean="0"/>
-              <a:t>9/20/2021</a:t>
+              <a:t>6/24/2023</a:t>
             </a:fld>
             <a:endParaRPr lang="en-US"/>
           </a:p>
@@ -23272,7 +23347,7 @@
           <a:p>
             <a:pPr algn="ctr"/>
             <a:r>
-              <a:rPr lang="en-US" sz="4000" b="1" dirty="0" smtClean="0">
+              <a:rPr lang="en-US" sz="4000" b="1" dirty="0">
                 <a:solidFill>
                   <a:schemeClr val="accent1">
                     <a:lumMod val="75000"/>
@@ -23283,15 +23358,6 @@
               </a:rPr>
               <a:t>EXCEL PROJECT</a:t>
             </a:r>
-            <a:endParaRPr lang="en-US" sz="4000" b="1" dirty="0">
-              <a:solidFill>
-                <a:schemeClr val="accent1">
-                  <a:lumMod val="75000"/>
-                </a:schemeClr>
-              </a:solidFill>
-              <a:latin typeface="Arial" panose="020B0604020202020204" pitchFamily="34" charset="0"/>
-              <a:cs typeface="Arial" panose="020B0604020202020204" pitchFamily="34" charset="0"/>
-            </a:endParaRPr>
           </a:p>
         </p:txBody>
       </p:sp>
@@ -23322,7 +23388,7 @@
               <a:buChar char="§"/>
             </a:pPr>
             <a:r>
-              <a:rPr lang="en-US" sz="2000" dirty="0" smtClean="0">
+              <a:rPr lang="en-US" sz="2000" dirty="0">
                 <a:latin typeface="Arial" panose="020B0604020202020204" pitchFamily="34" charset="0"/>
                 <a:cs typeface="Arial" panose="020B0604020202020204" pitchFamily="34" charset="0"/>
               </a:rPr>
@@ -23331,7 +23397,7 @@
           </a:p>
           <a:p>
             <a:pPr algn="just"/>
-            <a:endParaRPr lang="en-US" sz="2000" dirty="0" smtClean="0">
+            <a:endParaRPr lang="en-US" sz="2000" dirty="0">
               <a:latin typeface="Arial" panose="020B0604020202020204" pitchFamily="34" charset="0"/>
               <a:cs typeface="Arial" panose="020B0604020202020204" pitchFamily="34" charset="0"/>
             </a:endParaRPr>
@@ -23342,7 +23408,7 @@
               <a:buChar char="§"/>
             </a:pPr>
             <a:r>
-              <a:rPr lang="en-US" sz="2000" dirty="0" smtClean="0">
+              <a:rPr lang="en-US" sz="2000" dirty="0">
                 <a:latin typeface="Arial" panose="020B0604020202020204" pitchFamily="34" charset="0"/>
                 <a:cs typeface="Arial" panose="020B0604020202020204" pitchFamily="34" charset="0"/>
               </a:rPr>
@@ -23351,7 +23417,7 @@
           </a:p>
           <a:p>
             <a:pPr algn="just"/>
-            <a:endParaRPr lang="en-US" sz="2000" dirty="0" smtClean="0">
+            <a:endParaRPr lang="en-US" sz="2000" dirty="0">
               <a:latin typeface="Arial" panose="020B0604020202020204" pitchFamily="34" charset="0"/>
               <a:cs typeface="Arial" panose="020B0604020202020204" pitchFamily="34" charset="0"/>
             </a:endParaRPr>
@@ -23362,7 +23428,7 @@
               <a:buChar char="§"/>
             </a:pPr>
             <a:r>
-              <a:rPr lang="en-US" sz="2000" dirty="0" smtClean="0">
+              <a:rPr lang="en-US" sz="2000" dirty="0">
                 <a:latin typeface="Arial" panose="020B0604020202020204" pitchFamily="34" charset="0"/>
                 <a:cs typeface="Arial" panose="020B0604020202020204" pitchFamily="34" charset="0"/>
               </a:rPr>
@@ -23371,7 +23437,7 @@
           </a:p>
           <a:p>
             <a:pPr algn="just"/>
-            <a:endParaRPr lang="en-US" sz="2000" dirty="0" smtClean="0">
+            <a:endParaRPr lang="en-US" sz="2000" dirty="0">
               <a:latin typeface="Arial" panose="020B0604020202020204" pitchFamily="34" charset="0"/>
               <a:cs typeface="Arial" panose="020B0604020202020204" pitchFamily="34" charset="0"/>
             </a:endParaRPr>
@@ -23382,7 +23448,7 @@
               <a:buChar char="§"/>
             </a:pPr>
             <a:r>
-              <a:rPr lang="en-US" sz="2000" dirty="0" smtClean="0">
+              <a:rPr lang="en-US" sz="2000" dirty="0">
                 <a:latin typeface="Arial" panose="020B0604020202020204" pitchFamily="34" charset="0"/>
                 <a:cs typeface="Arial" panose="020B0604020202020204" pitchFamily="34" charset="0"/>
               </a:rPr>
@@ -23394,7 +23460,7 @@
               <a:buFont typeface="Wingdings" panose="05000000000000000000" pitchFamily="2" charset="2"/>
               <a:buChar char="Ø"/>
             </a:pPr>
-            <a:endParaRPr lang="en-US" sz="2000" dirty="0" smtClean="0">
+            <a:endParaRPr lang="en-US" sz="2000" dirty="0">
               <a:latin typeface="Arial" panose="020B0604020202020204" pitchFamily="34" charset="0"/>
               <a:cs typeface="Arial" panose="020B0604020202020204" pitchFamily="34" charset="0"/>
             </a:endParaRPr>
@@ -23417,13 +23483,6 @@
   <p:clrMapOvr>
     <a:masterClrMapping/>
   </p:clrMapOvr>
-  <p:timing>
-    <p:tnLst>
-      <p:par>
-        <p:cTn id="1" dur="indefinite" restart="never" nodeType="tmRoot"/>
-      </p:par>
-    </p:tnLst>
-  </p:timing>
 </p:sld>
 </file>
 
@@ -23471,7 +23530,7 @@
               <a:buChar char="q"/>
             </a:pPr>
             <a:r>
-              <a:rPr lang="en-US" dirty="0" smtClean="0">
+              <a:rPr lang="en-US" dirty="0">
                 <a:latin typeface="Arial" panose="020B0604020202020204" pitchFamily="34" charset="0"/>
                 <a:cs typeface="Arial" panose="020B0604020202020204" pitchFamily="34" charset="0"/>
               </a:rPr>
@@ -23541,16 +23600,12 @@
               <a:buChar char="Ø"/>
             </a:pPr>
             <a:r>
-              <a:rPr lang="en-US" dirty="0" smtClean="0">
+              <a:rPr lang="en-US" dirty="0">
                 <a:latin typeface="Arial" panose="020B0604020202020204" pitchFamily="34" charset="0"/>
                 <a:cs typeface="Arial" panose="020B0604020202020204" pitchFamily="34" charset="0"/>
               </a:rPr>
               <a:t>HIGHEST - 186 </a:t>
             </a:r>
-            <a:endParaRPr lang="en-US" dirty="0">
-              <a:latin typeface="Arial" panose="020B0604020202020204" pitchFamily="34" charset="0"/>
-              <a:cs typeface="Arial" panose="020B0604020202020204" pitchFamily="34" charset="0"/>
-            </a:endParaRPr>
           </a:p>
         </p:txBody>
       </p:sp>
@@ -23564,13 +23619,6 @@
   <p:clrMapOvr>
     <a:masterClrMapping/>
   </p:clrMapOvr>
-  <p:timing>
-    <p:tnLst>
-      <p:par>
-        <p:cTn id="1" dur="indefinite" restart="never" nodeType="tmRoot"/>
-      </p:par>
-    </p:tnLst>
-  </p:timing>
 </p:sld>
 </file>
 
@@ -23618,7 +23666,7 @@
               <a:buChar char="q"/>
             </a:pPr>
             <a:r>
-              <a:rPr lang="en-US" dirty="0" smtClean="0">
+              <a:rPr lang="en-US" dirty="0">
                 <a:latin typeface="Arial" panose="020B0604020202020204" pitchFamily="34" charset="0"/>
                 <a:cs typeface="Arial" panose="020B0604020202020204" pitchFamily="34" charset="0"/>
               </a:rPr>
@@ -23695,33 +23743,8 @@
                 <a:latin typeface="Arial" panose="020B0604020202020204" pitchFamily="34" charset="0"/>
                 <a:cs typeface="Arial" panose="020B0604020202020204" pitchFamily="34" charset="0"/>
               </a:rPr>
-              <a:t>SUPERMARKET TYPE </a:t>
+              <a:t>SUPERMARKET TYPE 1 - 1512239</a:t>
             </a:r>
-            <a:r>
-              <a:rPr lang="en-US" dirty="0" smtClean="0">
-                <a:latin typeface="Arial" panose="020B0604020202020204" pitchFamily="34" charset="0"/>
-                <a:cs typeface="Arial" panose="020B0604020202020204" pitchFamily="34" charset="0"/>
-              </a:rPr>
-              <a:t>1</a:t>
-            </a:r>
-            <a:r>
-              <a:rPr lang="en-US" dirty="0">
-                <a:latin typeface="Arial" panose="020B0604020202020204" pitchFamily="34" charset="0"/>
-                <a:cs typeface="Arial" panose="020B0604020202020204" pitchFamily="34" charset="0"/>
-              </a:rPr>
-              <a:t> </a:t>
-            </a:r>
-            <a:r>
-              <a:rPr lang="en-US" dirty="0" smtClean="0">
-                <a:latin typeface="Arial" panose="020B0604020202020204" pitchFamily="34" charset="0"/>
-                <a:cs typeface="Arial" panose="020B0604020202020204" pitchFamily="34" charset="0"/>
-              </a:rPr>
-              <a:t>- 1512239</a:t>
-            </a:r>
-            <a:endParaRPr lang="en-US" dirty="0">
-              <a:latin typeface="Arial" panose="020B0604020202020204" pitchFamily="34" charset="0"/>
-              <a:cs typeface="Arial" panose="020B0604020202020204" pitchFamily="34" charset="0"/>
-            </a:endParaRPr>
           </a:p>
           <a:p>
             <a:pPr marL="342900" indent="-342900">
@@ -23736,19 +23759,8 @@
                 <a:latin typeface="Arial" panose="020B0604020202020204" pitchFamily="34" charset="0"/>
                 <a:cs typeface="Arial" panose="020B0604020202020204" pitchFamily="34" charset="0"/>
               </a:rPr>
-              <a:t>SUPERMARKET TYPE </a:t>
+              <a:t>SUPERMARKET TYPE 3 - 442796</a:t>
             </a:r>
-            <a:r>
-              <a:rPr lang="en-US" dirty="0" smtClean="0">
-                <a:latin typeface="Arial" panose="020B0604020202020204" pitchFamily="34" charset="0"/>
-                <a:cs typeface="Arial" panose="020B0604020202020204" pitchFamily="34" charset="0"/>
-              </a:rPr>
-              <a:t>3 - 442796</a:t>
-            </a:r>
-            <a:endParaRPr lang="en-US" dirty="0">
-              <a:latin typeface="Arial" panose="020B0604020202020204" pitchFamily="34" charset="0"/>
-              <a:cs typeface="Arial" panose="020B0604020202020204" pitchFamily="34" charset="0"/>
-            </a:endParaRPr>
           </a:p>
           <a:p>
             <a:pPr marL="342900" indent="-342900">
@@ -23763,19 +23775,8 @@
                 <a:latin typeface="Arial" panose="020B0604020202020204" pitchFamily="34" charset="0"/>
                 <a:cs typeface="Arial" panose="020B0604020202020204" pitchFamily="34" charset="0"/>
               </a:rPr>
-              <a:t>SUPERMARKET TYPE </a:t>
+              <a:t>SUPERMARKET TYPE 2 - 195710</a:t>
             </a:r>
-            <a:r>
-              <a:rPr lang="en-US" dirty="0" smtClean="0">
-                <a:latin typeface="Arial" panose="020B0604020202020204" pitchFamily="34" charset="0"/>
-                <a:cs typeface="Arial" panose="020B0604020202020204" pitchFamily="34" charset="0"/>
-              </a:rPr>
-              <a:t>2 - 195710</a:t>
-            </a:r>
-            <a:endParaRPr lang="en-US" dirty="0">
-              <a:latin typeface="Arial" panose="020B0604020202020204" pitchFamily="34" charset="0"/>
-              <a:cs typeface="Arial" panose="020B0604020202020204" pitchFamily="34" charset="0"/>
-            </a:endParaRPr>
           </a:p>
           <a:p>
             <a:pPr marL="342900" indent="-342900">
@@ -23790,19 +23791,8 @@
                 <a:latin typeface="Arial" panose="020B0604020202020204" pitchFamily="34" charset="0"/>
                 <a:cs typeface="Arial" panose="020B0604020202020204" pitchFamily="34" charset="0"/>
               </a:rPr>
-              <a:t>GROCERY </a:t>
+              <a:t>GROCERY STORE - 39896</a:t>
             </a:r>
-            <a:r>
-              <a:rPr lang="en-US" dirty="0" smtClean="0">
-                <a:latin typeface="Arial" panose="020B0604020202020204" pitchFamily="34" charset="0"/>
-                <a:cs typeface="Arial" panose="020B0604020202020204" pitchFamily="34" charset="0"/>
-              </a:rPr>
-              <a:t>STORE - 39896</a:t>
-            </a:r>
-            <a:endParaRPr lang="en-US" dirty="0">
-              <a:latin typeface="Arial" panose="020B0604020202020204" pitchFamily="34" charset="0"/>
-              <a:cs typeface="Arial" panose="020B0604020202020204" pitchFamily="34" charset="0"/>
-            </a:endParaRPr>
           </a:p>
           <a:p>
             <a:pPr marL="342900" indent="-342900">
@@ -23829,13 +23819,6 @@
   <p:clrMapOvr>
     <a:masterClrMapping/>
   </p:clrMapOvr>
-  <p:timing>
-    <p:tnLst>
-      <p:par>
-        <p:cTn id="1" dur="indefinite" restart="never" nodeType="tmRoot"/>
-      </p:par>
-    </p:tnLst>
-  </p:timing>
 </p:sld>
 </file>
 
@@ -23883,7 +23866,7 @@
               <a:buChar char="q"/>
             </a:pPr>
             <a:r>
-              <a:rPr lang="en-US" dirty="0" smtClean="0">
+              <a:rPr lang="en-US" dirty="0">
                 <a:latin typeface="Arial" panose="020B0604020202020204" pitchFamily="34" charset="0"/>
                 <a:cs typeface="Arial" panose="020B0604020202020204" pitchFamily="34" charset="0"/>
               </a:rPr>
@@ -23960,19 +23943,8 @@
                 <a:latin typeface="Arial" panose="020B0604020202020204" pitchFamily="34" charset="0"/>
                 <a:cs typeface="Arial" panose="020B0604020202020204" pitchFamily="34" charset="0"/>
               </a:rPr>
-              <a:t>SUPERMARKET TYPE </a:t>
+              <a:t>SUPERMARKET TYPE 1 - 655</a:t>
             </a:r>
-            <a:r>
-              <a:rPr lang="en-US" dirty="0" smtClean="0">
-                <a:latin typeface="Arial" panose="020B0604020202020204" pitchFamily="34" charset="0"/>
-                <a:cs typeface="Arial" panose="020B0604020202020204" pitchFamily="34" charset="0"/>
-              </a:rPr>
-              <a:t>1 - 655</a:t>
-            </a:r>
-            <a:endParaRPr lang="en-US" dirty="0">
-              <a:latin typeface="Arial" panose="020B0604020202020204" pitchFamily="34" charset="0"/>
-              <a:cs typeface="Arial" panose="020B0604020202020204" pitchFamily="34" charset="0"/>
-            </a:endParaRPr>
           </a:p>
           <a:p>
             <a:pPr marL="285750" indent="-285750">
@@ -23987,19 +23959,8 @@
                 <a:latin typeface="Arial" panose="020B0604020202020204" pitchFamily="34" charset="0"/>
                 <a:cs typeface="Arial" panose="020B0604020202020204" pitchFamily="34" charset="0"/>
               </a:rPr>
-              <a:t>SUPERMARKET TYPE </a:t>
+              <a:t>SUPERMARKET TYPE 3 - 125</a:t>
             </a:r>
-            <a:r>
-              <a:rPr lang="en-US" dirty="0" smtClean="0">
-                <a:latin typeface="Arial" panose="020B0604020202020204" pitchFamily="34" charset="0"/>
-                <a:cs typeface="Arial" panose="020B0604020202020204" pitchFamily="34" charset="0"/>
-              </a:rPr>
-              <a:t>3 - 125</a:t>
-            </a:r>
-            <a:endParaRPr lang="en-US" dirty="0">
-              <a:latin typeface="Arial" panose="020B0604020202020204" pitchFamily="34" charset="0"/>
-              <a:cs typeface="Arial" panose="020B0604020202020204" pitchFamily="34" charset="0"/>
-            </a:endParaRPr>
           </a:p>
           <a:p>
             <a:pPr marL="285750" indent="-285750">
@@ -24014,19 +23975,8 @@
                 <a:latin typeface="Arial" panose="020B0604020202020204" pitchFamily="34" charset="0"/>
                 <a:cs typeface="Arial" panose="020B0604020202020204" pitchFamily="34" charset="0"/>
               </a:rPr>
-              <a:t>GROCERY </a:t>
+              <a:t>GROCERY STORE - 124</a:t>
             </a:r>
-            <a:r>
-              <a:rPr lang="en-US" dirty="0" smtClean="0">
-                <a:latin typeface="Arial" panose="020B0604020202020204" pitchFamily="34" charset="0"/>
-                <a:cs typeface="Arial" panose="020B0604020202020204" pitchFamily="34" charset="0"/>
-              </a:rPr>
-              <a:t>STORE - 124</a:t>
-            </a:r>
-            <a:endParaRPr lang="en-US" dirty="0">
-              <a:latin typeface="Arial" panose="020B0604020202020204" pitchFamily="34" charset="0"/>
-              <a:cs typeface="Arial" panose="020B0604020202020204" pitchFamily="34" charset="0"/>
-            </a:endParaRPr>
           </a:p>
           <a:p>
             <a:pPr marL="285750" indent="-285750">
@@ -24041,19 +23991,8 @@
                 <a:latin typeface="Arial" panose="020B0604020202020204" pitchFamily="34" charset="0"/>
                 <a:cs typeface="Arial" panose="020B0604020202020204" pitchFamily="34" charset="0"/>
               </a:rPr>
-              <a:t>SUPERMARKET TYPE </a:t>
+              <a:t>SUPERMARKET TYPE 2 - 96</a:t>
             </a:r>
-            <a:r>
-              <a:rPr lang="en-US" dirty="0" smtClean="0">
-                <a:latin typeface="Arial" panose="020B0604020202020204" pitchFamily="34" charset="0"/>
-                <a:cs typeface="Arial" panose="020B0604020202020204" pitchFamily="34" charset="0"/>
-              </a:rPr>
-              <a:t>2 - 96</a:t>
-            </a:r>
-            <a:endParaRPr lang="en-US" dirty="0">
-              <a:latin typeface="Arial" panose="020B0604020202020204" pitchFamily="34" charset="0"/>
-              <a:cs typeface="Arial" panose="020B0604020202020204" pitchFamily="34" charset="0"/>
-            </a:endParaRPr>
           </a:p>
           <a:p>
             <a:pPr marL="285750" indent="-285750">
@@ -24080,13 +24019,6 @@
   <p:clrMapOvr>
     <a:masterClrMapping/>
   </p:clrMapOvr>
-  <p:timing>
-    <p:tnLst>
-      <p:par>
-        <p:cTn id="1" dur="indefinite" restart="never" nodeType="tmRoot"/>
-      </p:par>
-    </p:tnLst>
-  </p:timing>
 </p:sld>
 </file>
 
@@ -24134,7 +24066,7 @@
               <a:buChar char="q"/>
             </a:pPr>
             <a:r>
-              <a:rPr lang="en-US" dirty="0" smtClean="0">
+              <a:rPr lang="en-US" dirty="0">
                 <a:latin typeface="Arial" panose="020B0604020202020204" pitchFamily="34" charset="0"/>
                 <a:cs typeface="Arial" panose="020B0604020202020204" pitchFamily="34" charset="0"/>
               </a:rPr>
@@ -24211,19 +24143,8 @@
                 <a:latin typeface="Arial" panose="020B0604020202020204" pitchFamily="34" charset="0"/>
                 <a:cs typeface="Arial" panose="020B0604020202020204" pitchFamily="34" charset="0"/>
               </a:rPr>
-              <a:t>TIER </a:t>
+              <a:t>TIER 3 - 899190</a:t>
             </a:r>
-            <a:r>
-              <a:rPr lang="de-DE" dirty="0" smtClean="0">
-                <a:latin typeface="Arial" panose="020B0604020202020204" pitchFamily="34" charset="0"/>
-                <a:cs typeface="Arial" panose="020B0604020202020204" pitchFamily="34" charset="0"/>
-              </a:rPr>
-              <a:t>3 - 899190</a:t>
-            </a:r>
-            <a:endParaRPr lang="de-DE" dirty="0">
-              <a:latin typeface="Arial" panose="020B0604020202020204" pitchFamily="34" charset="0"/>
-              <a:cs typeface="Arial" panose="020B0604020202020204" pitchFamily="34" charset="0"/>
-            </a:endParaRPr>
           </a:p>
           <a:p>
             <a:pPr marL="285750" indent="-285750">
@@ -24238,19 +24159,8 @@
                 <a:latin typeface="Arial" panose="020B0604020202020204" pitchFamily="34" charset="0"/>
                 <a:cs typeface="Arial" panose="020B0604020202020204" pitchFamily="34" charset="0"/>
               </a:rPr>
-              <a:t>TIER </a:t>
+              <a:t>TIER 2 - 765160</a:t>
             </a:r>
-            <a:r>
-              <a:rPr lang="de-DE" dirty="0" smtClean="0">
-                <a:latin typeface="Arial" panose="020B0604020202020204" pitchFamily="34" charset="0"/>
-                <a:cs typeface="Arial" panose="020B0604020202020204" pitchFamily="34" charset="0"/>
-              </a:rPr>
-              <a:t>2 - 765160</a:t>
-            </a:r>
-            <a:endParaRPr lang="de-DE" dirty="0">
-              <a:latin typeface="Arial" panose="020B0604020202020204" pitchFamily="34" charset="0"/>
-              <a:cs typeface="Arial" panose="020B0604020202020204" pitchFamily="34" charset="0"/>
-            </a:endParaRPr>
           </a:p>
           <a:p>
             <a:pPr marL="285750" indent="-285750">
@@ -24265,19 +24175,8 @@
                 <a:latin typeface="Arial" panose="020B0604020202020204" pitchFamily="34" charset="0"/>
                 <a:cs typeface="Arial" panose="020B0604020202020204" pitchFamily="34" charset="0"/>
               </a:rPr>
-              <a:t>TIER </a:t>
+              <a:t>TIER 1 - 526291</a:t>
             </a:r>
-            <a:r>
-              <a:rPr lang="de-DE" dirty="0" smtClean="0">
-                <a:latin typeface="Arial" panose="020B0604020202020204" pitchFamily="34" charset="0"/>
-                <a:cs typeface="Arial" panose="020B0604020202020204" pitchFamily="34" charset="0"/>
-              </a:rPr>
-              <a:t>1 - 526291</a:t>
-            </a:r>
-            <a:endParaRPr lang="de-DE" dirty="0">
-              <a:latin typeface="Arial" panose="020B0604020202020204" pitchFamily="34" charset="0"/>
-              <a:cs typeface="Arial" panose="020B0604020202020204" pitchFamily="34" charset="0"/>
-            </a:endParaRPr>
           </a:p>
         </p:txBody>
       </p:sp>
@@ -24291,13 +24190,6 @@
   <p:clrMapOvr>
     <a:masterClrMapping/>
   </p:clrMapOvr>
-  <p:timing>
-    <p:tnLst>
-      <p:par>
-        <p:cTn id="1" dur="indefinite" restart="never" nodeType="tmRoot"/>
-      </p:par>
-    </p:tnLst>
-  </p:timing>
 </p:sld>
 </file>
 
@@ -24341,7 +24233,7 @@
           <a:lstStyle/>
           <a:p>
             <a:r>
-              <a:rPr lang="en-US" sz="4000" dirty="0" smtClean="0">
+              <a:rPr lang="en-US" sz="4000" dirty="0">
                 <a:solidFill>
                   <a:srgbClr val="C00000"/>
                 </a:solidFill>
@@ -24350,13 +24242,6 @@
               </a:rPr>
               <a:t>CONCLUSION</a:t>
             </a:r>
-            <a:endParaRPr lang="en-US" sz="4000" dirty="0">
-              <a:solidFill>
-                <a:srgbClr val="C00000"/>
-              </a:solidFill>
-              <a:latin typeface="Arial" panose="020B0604020202020204" pitchFamily="34" charset="0"/>
-              <a:cs typeface="Arial" panose="020B0604020202020204" pitchFamily="34" charset="0"/>
-            </a:endParaRPr>
           </a:p>
         </p:txBody>
       </p:sp>
@@ -24390,7 +24275,7 @@
               <a:buChar char="§"/>
             </a:pPr>
             <a:r>
-              <a:rPr lang="en-US" sz="1600" dirty="0" smtClean="0">
+              <a:rPr lang="en-US" sz="1600" dirty="0">
                 <a:latin typeface="Arial" panose="020B0604020202020204" pitchFamily="34" charset="0"/>
                 <a:cs typeface="Arial" panose="020B0604020202020204" pitchFamily="34" charset="0"/>
               </a:rPr>
@@ -24406,7 +24291,7 @@
               <a:buChar char="§"/>
             </a:pPr>
             <a:r>
-              <a:rPr lang="en-US" sz="1600" dirty="0" smtClean="0">
+              <a:rPr lang="en-US" sz="1600" dirty="0">
                 <a:latin typeface="Arial" panose="020B0604020202020204" pitchFamily="34" charset="0"/>
                 <a:cs typeface="Arial" panose="020B0604020202020204" pitchFamily="34" charset="0"/>
               </a:rPr>
@@ -24422,7 +24307,7 @@
               <a:buChar char="§"/>
             </a:pPr>
             <a:r>
-              <a:rPr lang="en-US" sz="1600" dirty="0" smtClean="0">
+              <a:rPr lang="en-US" sz="1600" dirty="0">
                 <a:latin typeface="Arial" panose="020B0604020202020204" pitchFamily="34" charset="0"/>
                 <a:cs typeface="Arial" panose="020B0604020202020204" pitchFamily="34" charset="0"/>
               </a:rPr>
@@ -24438,7 +24323,7 @@
               <a:buChar char="§"/>
             </a:pPr>
             <a:r>
-              <a:rPr lang="en-US" sz="1600" dirty="0" smtClean="0">
+              <a:rPr lang="en-US" sz="1600" dirty="0">
                 <a:latin typeface="Arial" panose="020B0604020202020204" pitchFamily="34" charset="0"/>
                 <a:cs typeface="Arial" panose="020B0604020202020204" pitchFamily="34" charset="0"/>
               </a:rPr>
@@ -24454,7 +24339,7 @@
               <a:buChar char="§"/>
             </a:pPr>
             <a:r>
-              <a:rPr lang="en-US" sz="1600" dirty="0" smtClean="0">
+              <a:rPr lang="en-US" sz="1600" dirty="0">
                 <a:latin typeface="Arial" panose="020B0604020202020204" pitchFamily="34" charset="0"/>
                 <a:cs typeface="Arial" panose="020B0604020202020204" pitchFamily="34" charset="0"/>
               </a:rPr>
@@ -24470,7 +24355,7 @@
               <a:buChar char="§"/>
             </a:pPr>
             <a:r>
-              <a:rPr lang="en-US" sz="1600" dirty="0" smtClean="0">
+              <a:rPr lang="en-US" sz="1600" dirty="0">
                 <a:latin typeface="Arial" panose="020B0604020202020204" pitchFamily="34" charset="0"/>
                 <a:cs typeface="Arial" panose="020B0604020202020204" pitchFamily="34" charset="0"/>
               </a:rPr>
@@ -24486,7 +24371,7 @@
               <a:buChar char="§"/>
             </a:pPr>
             <a:r>
-              <a:rPr lang="en-US" sz="1600" dirty="0" smtClean="0">
+              <a:rPr lang="en-US" sz="1600" dirty="0">
                 <a:latin typeface="Arial" panose="020B0604020202020204" pitchFamily="34" charset="0"/>
                 <a:cs typeface="Arial" panose="020B0604020202020204" pitchFamily="34" charset="0"/>
               </a:rPr>
@@ -24502,7 +24387,7 @@
               <a:buChar char="§"/>
             </a:pPr>
             <a:r>
-              <a:rPr lang="en-US" sz="1600" dirty="0" smtClean="0">
+              <a:rPr lang="en-US" sz="1600" dirty="0">
                 <a:latin typeface="Arial" panose="020B0604020202020204" pitchFamily="34" charset="0"/>
                 <a:cs typeface="Arial" panose="020B0604020202020204" pitchFamily="34" charset="0"/>
               </a:rPr>
@@ -24518,7 +24403,7 @@
               <a:buChar char="§"/>
             </a:pPr>
             <a:r>
-              <a:rPr lang="en-US" sz="1600" dirty="0" smtClean="0">
+              <a:rPr lang="en-US" sz="1600" dirty="0">
                 <a:latin typeface="Arial" panose="020B0604020202020204" pitchFamily="34" charset="0"/>
                 <a:cs typeface="Arial" panose="020B0604020202020204" pitchFamily="34" charset="0"/>
               </a:rPr>
@@ -24534,7 +24419,7 @@
               <a:buChar char="§"/>
             </a:pPr>
             <a:r>
-              <a:rPr lang="en-US" sz="1600" dirty="0" smtClean="0">
+              <a:rPr lang="en-US" sz="1600" dirty="0">
                 <a:latin typeface="Arial" panose="020B0604020202020204" pitchFamily="34" charset="0"/>
                 <a:cs typeface="Arial" panose="020B0604020202020204" pitchFamily="34" charset="0"/>
               </a:rPr>
@@ -24550,7 +24435,7 @@
               <a:buChar char="§"/>
             </a:pPr>
             <a:r>
-              <a:rPr lang="en-US" sz="1600" dirty="0" smtClean="0">
+              <a:rPr lang="en-US" sz="1600" dirty="0">
                 <a:latin typeface="Arial" panose="020B0604020202020204" pitchFamily="34" charset="0"/>
                 <a:cs typeface="Arial" panose="020B0604020202020204" pitchFamily="34" charset="0"/>
               </a:rPr>
@@ -24582,13 +24467,6 @@
   <p:clrMapOvr>
     <a:masterClrMapping/>
   </p:clrMapOvr>
-  <p:timing>
-    <p:tnLst>
-      <p:par>
-        <p:cTn id="1" dur="indefinite" restart="never" nodeType="tmRoot"/>
-      </p:par>
-    </p:tnLst>
-  </p:timing>
 </p:sld>
 </file>
 
@@ -24632,7 +24510,7 @@
           <a:lstStyle/>
           <a:p>
             <a:r>
-              <a:rPr lang="en-US" sz="4000" dirty="0" smtClean="0">
+              <a:rPr lang="en-US" sz="4000" dirty="0">
                 <a:solidFill>
                   <a:srgbClr val="C00000"/>
                 </a:solidFill>
@@ -24641,13 +24519,6 @@
               </a:rPr>
               <a:t>DATA SOURCE</a:t>
             </a:r>
-            <a:endParaRPr lang="en-US" sz="4000" dirty="0">
-              <a:solidFill>
-                <a:srgbClr val="C00000"/>
-              </a:solidFill>
-              <a:latin typeface="Arial" panose="020B0604020202020204" pitchFamily="34" charset="0"/>
-              <a:cs typeface="Arial" panose="020B0604020202020204" pitchFamily="34" charset="0"/>
-            </a:endParaRPr>
           </a:p>
         </p:txBody>
       </p:sp>
@@ -24674,7 +24545,7 @@
           <a:lstStyle/>
           <a:p>
             <a:r>
-              <a:rPr lang="en-US" dirty="0" smtClean="0">
+              <a:rPr lang="en-US" dirty="0">
                 <a:solidFill>
                   <a:srgbClr val="FF0000"/>
                 </a:solidFill>
@@ -24683,13 +24554,6 @@
               </a:rPr>
               <a:t>https://www.kaggle.com/uniabhi/bigmart-sales-data?select=Test.csv</a:t>
             </a:r>
-            <a:endParaRPr lang="en-US" dirty="0">
-              <a:solidFill>
-                <a:srgbClr val="FF0000"/>
-              </a:solidFill>
-              <a:latin typeface="Arial" panose="020B0604020202020204" pitchFamily="34" charset="0"/>
-              <a:cs typeface="Arial" panose="020B0604020202020204" pitchFamily="34" charset="0"/>
-            </a:endParaRPr>
           </a:p>
         </p:txBody>
       </p:sp>
@@ -24716,7 +24580,7 @@
           <a:lstStyle/>
           <a:p>
             <a:r>
-              <a:rPr lang="en-US" sz="2400" dirty="0" smtClean="0">
+              <a:rPr lang="en-US" sz="2400" dirty="0">
                 <a:solidFill>
                   <a:schemeClr val="accent6">
                     <a:lumMod val="75000"/>
@@ -24726,96 +24590,6 @@
                 <a:cs typeface="Arial" panose="020B0604020202020204" pitchFamily="34" charset="0"/>
               </a:rPr>
               <a:t>DATA SET</a:t>
-            </a:r>
-            <a:endParaRPr lang="en-US" sz="2400" dirty="0">
-              <a:solidFill>
-                <a:schemeClr val="accent6">
-                  <a:lumMod val="75000"/>
-                </a:schemeClr>
-              </a:solidFill>
-              <a:latin typeface="Arial" panose="020B0604020202020204" pitchFamily="34" charset="0"/>
-              <a:cs typeface="Arial" panose="020B0604020202020204" pitchFamily="34" charset="0"/>
-            </a:endParaRPr>
-          </a:p>
-        </p:txBody>
-      </p:sp>
-      <p:sp>
-        <p:nvSpPr>
-          <p:cNvPr id="5" name="TextBox 4"/>
-          <p:cNvSpPr txBox="1"/>
-          <p:nvPr/>
-        </p:nvSpPr>
-        <p:spPr>
-          <a:xfrm>
-            <a:off x="1674254" y="3103808"/>
-            <a:ext cx="2446986" cy="461665"/>
-          </a:xfrm>
-          <a:prstGeom prst="rect">
-            <a:avLst/>
-          </a:prstGeom>
-          <a:noFill/>
-        </p:spPr>
-        <p:txBody>
-          <a:bodyPr wrap="square" rtlCol="0">
-            <a:spAutoFit/>
-          </a:bodyPr>
-          <a:lstStyle/>
-          <a:p>
-            <a:r>
-              <a:rPr lang="en-US" sz="2400" dirty="0" smtClean="0">
-                <a:solidFill>
-                  <a:schemeClr val="accent6">
-                    <a:lumMod val="75000"/>
-                  </a:schemeClr>
-                </a:solidFill>
-                <a:latin typeface="Arial" panose="020B0604020202020204" pitchFamily="34" charset="0"/>
-                <a:cs typeface="Arial" panose="020B0604020202020204" pitchFamily="34" charset="0"/>
-              </a:rPr>
-              <a:t>VIDEO LINK</a:t>
-            </a:r>
-            <a:endParaRPr lang="en-US" sz="2400" dirty="0">
-              <a:solidFill>
-                <a:schemeClr val="accent6">
-                  <a:lumMod val="75000"/>
-                </a:schemeClr>
-              </a:solidFill>
-              <a:latin typeface="Arial" panose="020B0604020202020204" pitchFamily="34" charset="0"/>
-              <a:cs typeface="Arial" panose="020B0604020202020204" pitchFamily="34" charset="0"/>
-            </a:endParaRPr>
-          </a:p>
-        </p:txBody>
-      </p:sp>
-      <p:sp>
-        <p:nvSpPr>
-          <p:cNvPr id="6" name="TextBox 5"/>
-          <p:cNvSpPr txBox="1"/>
-          <p:nvPr/>
-        </p:nvSpPr>
-        <p:spPr>
-          <a:xfrm>
-            <a:off x="1674253" y="3870204"/>
-            <a:ext cx="9375820" cy="646331"/>
-          </a:xfrm>
-          <a:prstGeom prst="rect">
-            <a:avLst/>
-          </a:prstGeom>
-          <a:noFill/>
-        </p:spPr>
-        <p:txBody>
-          <a:bodyPr wrap="square" rtlCol="0">
-            <a:spAutoFit/>
-          </a:bodyPr>
-          <a:lstStyle/>
-          <a:p>
-            <a:r>
-              <a:rPr lang="en-US" dirty="0">
-                <a:solidFill>
-                  <a:srgbClr val="FF0000"/>
-                </a:solidFill>
-                <a:latin typeface="Arial" panose="020B0604020202020204" pitchFamily="34" charset="0"/>
-                <a:cs typeface="Arial" panose="020B0604020202020204" pitchFamily="34" charset="0"/>
-              </a:rPr>
-              <a:t>https://drive.google.com/file/d/1j5sVbUNKl7377TpQcvsYdFOX4u2mdmGN/view?usp=sharing</a:t>
             </a:r>
           </a:p>
         </p:txBody>
@@ -24830,13 +24604,6 @@
   <p:clrMapOvr>
     <a:masterClrMapping/>
   </p:clrMapOvr>
-  <p:timing>
-    <p:tnLst>
-      <p:par>
-        <p:cTn id="1" dur="indefinite" restart="never" nodeType="tmRoot"/>
-      </p:par>
-    </p:tnLst>
-  </p:timing>
 </p:sld>
 </file>
 
@@ -24881,7 +24648,7 @@
           <a:p>
             <a:pPr algn="ctr"/>
             <a:r>
-              <a:rPr lang="en-US" sz="5400" dirty="0" smtClean="0">
+              <a:rPr lang="en-US" sz="5400" dirty="0">
                 <a:solidFill>
                   <a:srgbClr val="C00000"/>
                 </a:solidFill>
@@ -24890,13 +24657,6 @@
               </a:rPr>
               <a:t>INTERACTIVE DASHBOARD</a:t>
             </a:r>
-            <a:endParaRPr lang="en-US" sz="5400" dirty="0">
-              <a:solidFill>
-                <a:srgbClr val="C00000"/>
-              </a:solidFill>
-              <a:latin typeface="Arial" panose="020B0604020202020204" pitchFamily="34" charset="0"/>
-              <a:cs typeface="Arial" panose="020B0604020202020204" pitchFamily="34" charset="0"/>
-            </a:endParaRPr>
           </a:p>
         </p:txBody>
       </p:sp>
@@ -24910,13 +24670,6 @@
   <p:clrMapOvr>
     <a:masterClrMapping/>
   </p:clrMapOvr>
-  <p:timing>
-    <p:tnLst>
-      <p:par>
-        <p:cTn id="1" dur="indefinite" restart="never" nodeType="tmRoot"/>
-      </p:par>
-    </p:tnLst>
-  </p:timing>
 </p:sld>
 </file>
 
@@ -24977,13 +24730,6 @@
   <p:clrMapOvr>
     <a:masterClrMapping/>
   </p:clrMapOvr>
-  <p:timing>
-    <p:tnLst>
-      <p:par>
-        <p:cTn id="1" dur="indefinite" restart="never" nodeType="tmRoot"/>
-      </p:par>
-    </p:tnLst>
-  </p:timing>
 </p:sld>
 </file>
 
@@ -25044,13 +24790,6 @@
   <p:clrMapOvr>
     <a:masterClrMapping/>
   </p:clrMapOvr>
-  <p:timing>
-    <p:tnLst>
-      <p:par>
-        <p:cTn id="1" dur="indefinite" restart="never" nodeType="tmRoot"/>
-      </p:par>
-    </p:tnLst>
-  </p:timing>
 </p:sld>
 </file>
 
@@ -25111,13 +24850,6 @@
   <p:clrMapOvr>
     <a:masterClrMapping/>
   </p:clrMapOvr>
-  <p:timing>
-    <p:tnLst>
-      <p:par>
-        <p:cTn id="1" dur="indefinite" restart="never" nodeType="tmRoot"/>
-      </p:par>
-    </p:tnLst>
-  </p:timing>
 </p:sld>
 </file>
 
@@ -25161,7 +24893,7 @@
           <a:lstStyle/>
           <a:p>
             <a:r>
-              <a:rPr lang="en-US" sz="2800" b="1" dirty="0" smtClean="0">
+              <a:rPr lang="en-US" sz="2800" b="1" dirty="0">
                 <a:solidFill>
                   <a:srgbClr val="C00000"/>
                 </a:solidFill>
@@ -25170,13 +24902,6 @@
               </a:rPr>
               <a:t>QUESTIONS BASED ON DATASET</a:t>
             </a:r>
-            <a:endParaRPr lang="en-US" sz="2800" b="1" dirty="0">
-              <a:solidFill>
-                <a:srgbClr val="C00000"/>
-              </a:solidFill>
-              <a:latin typeface="Arial" panose="020B0604020202020204" pitchFamily="34" charset="0"/>
-              <a:cs typeface="Arial" panose="020B0604020202020204" pitchFamily="34" charset="0"/>
-            </a:endParaRPr>
           </a:p>
         </p:txBody>
       </p:sp>
@@ -25214,14 +24939,7 @@
                 <a:latin typeface="Arial" panose="020B0604020202020204" pitchFamily="34" charset="0"/>
                 <a:cs typeface="Arial" panose="020B0604020202020204" pitchFamily="34" charset="0"/>
               </a:rPr>
-              <a:t> WHAT IS THE HIGHEST AND LOWEST SALES IN PARTICULAR YEAR?</a:t>
-            </a:r>
-            <a:r>
-              <a:rPr lang="en-US" dirty="0" smtClean="0">
-                <a:latin typeface="Arial" panose="020B0604020202020204" pitchFamily="34" charset="0"/>
-                <a:cs typeface="Arial" panose="020B0604020202020204" pitchFamily="34" charset="0"/>
-              </a:rPr>
-              <a:t> </a:t>
+              <a:t> WHAT IS THE HIGHEST AND LOWEST SALES IN PARTICULAR YEAR? </a:t>
             </a:r>
           </a:p>
           <a:p>
@@ -25237,14 +24955,7 @@
                 <a:latin typeface="Arial" panose="020B0604020202020204" pitchFamily="34" charset="0"/>
                 <a:cs typeface="Arial" panose="020B0604020202020204" pitchFamily="34" charset="0"/>
               </a:rPr>
-              <a:t> WHICH ITEM TYPE HAS THE HIGHEST AND LOWEST SALES?</a:t>
-            </a:r>
-            <a:r>
-              <a:rPr lang="en-US" dirty="0" smtClean="0">
-                <a:latin typeface="Arial" panose="020B0604020202020204" pitchFamily="34" charset="0"/>
-                <a:cs typeface="Arial" panose="020B0604020202020204" pitchFamily="34" charset="0"/>
-              </a:rPr>
-              <a:t> </a:t>
+              <a:t> WHICH ITEM TYPE HAS THE HIGHEST AND LOWEST SALES? </a:t>
             </a:r>
           </a:p>
           <a:p>
@@ -25260,14 +24971,7 @@
                 <a:latin typeface="Arial" panose="020B0604020202020204" pitchFamily="34" charset="0"/>
                 <a:cs typeface="Arial" panose="020B0604020202020204" pitchFamily="34" charset="0"/>
               </a:rPr>
-              <a:t>WHAT IS THE MAXIMUM AND MINIMUM ITEM WEIGHT OF A ITEM TYPE?</a:t>
-            </a:r>
-            <a:r>
-              <a:rPr lang="en-US" dirty="0" smtClean="0">
-                <a:latin typeface="Arial" panose="020B0604020202020204" pitchFamily="34" charset="0"/>
-                <a:cs typeface="Arial" panose="020B0604020202020204" pitchFamily="34" charset="0"/>
-              </a:rPr>
-              <a:t> </a:t>
+              <a:t>WHAT IS THE MAXIMUM AND MINIMUM ITEM WEIGHT OF A ITEM TYPE? </a:t>
             </a:r>
           </a:p>
           <a:p>
@@ -25283,14 +24987,7 @@
                 <a:latin typeface="Arial" panose="020B0604020202020204" pitchFamily="34" charset="0"/>
                 <a:cs typeface="Arial" panose="020B0604020202020204" pitchFamily="34" charset="0"/>
               </a:rPr>
-              <a:t>WHICH TYPE OF OUTLET HAS THE HIGHEST AND LOWEST SALES?</a:t>
-            </a:r>
-            <a:r>
-              <a:rPr lang="en-US" dirty="0" smtClean="0">
-                <a:latin typeface="Arial" panose="020B0604020202020204" pitchFamily="34" charset="0"/>
-                <a:cs typeface="Arial" panose="020B0604020202020204" pitchFamily="34" charset="0"/>
-              </a:rPr>
-              <a:t> </a:t>
+              <a:t>WHICH TYPE OF OUTLET HAS THE HIGHEST AND LOWEST SALES? </a:t>
             </a:r>
           </a:p>
           <a:p>
@@ -25306,14 +25003,7 @@
                 <a:latin typeface="Arial" panose="020B0604020202020204" pitchFamily="34" charset="0"/>
                 <a:cs typeface="Arial" panose="020B0604020202020204" pitchFamily="34" charset="0"/>
               </a:rPr>
-              <a:t>WHAT IS THE TOTAL ITEM MRP WITH RESPECT TO ITEM TYPE?</a:t>
-            </a:r>
-            <a:r>
-              <a:rPr lang="en-US" dirty="0" smtClean="0">
-                <a:latin typeface="Arial" panose="020B0604020202020204" pitchFamily="34" charset="0"/>
-                <a:cs typeface="Arial" panose="020B0604020202020204" pitchFamily="34" charset="0"/>
-              </a:rPr>
-              <a:t> </a:t>
+              <a:t>WHAT IS THE TOTAL ITEM MRP WITH RESPECT TO ITEM TYPE? </a:t>
             </a:r>
           </a:p>
           <a:p>
@@ -25329,14 +25019,7 @@
                 <a:latin typeface="Arial" panose="020B0604020202020204" pitchFamily="34" charset="0"/>
                 <a:cs typeface="Arial" panose="020B0604020202020204" pitchFamily="34" charset="0"/>
               </a:rPr>
-              <a:t>WHAT IS THE TOTAL COUNT OF FAT CONTENT?</a:t>
-            </a:r>
-            <a:r>
-              <a:rPr lang="en-US" dirty="0" smtClean="0">
-                <a:latin typeface="Arial" panose="020B0604020202020204" pitchFamily="34" charset="0"/>
-                <a:cs typeface="Arial" panose="020B0604020202020204" pitchFamily="34" charset="0"/>
-              </a:rPr>
-              <a:t> </a:t>
+              <a:t>WHAT IS THE TOTAL COUNT OF FAT CONTENT? </a:t>
             </a:r>
           </a:p>
           <a:p>
@@ -25352,14 +25035,7 @@
                 <a:latin typeface="Arial" panose="020B0604020202020204" pitchFamily="34" charset="0"/>
                 <a:cs typeface="Arial" panose="020B0604020202020204" pitchFamily="34" charset="0"/>
               </a:rPr>
-              <a:t>IN WHICH YEAR THE SALES WERE HIGH AND LOW?</a:t>
-            </a:r>
-            <a:r>
-              <a:rPr lang="en-US" dirty="0" smtClean="0">
-                <a:latin typeface="Arial" panose="020B0604020202020204" pitchFamily="34" charset="0"/>
-                <a:cs typeface="Arial" panose="020B0604020202020204" pitchFamily="34" charset="0"/>
-              </a:rPr>
-              <a:t> </a:t>
+              <a:t>IN WHICH YEAR THE SALES WERE HIGH AND LOW? </a:t>
             </a:r>
           </a:p>
           <a:p>
@@ -25375,14 +25051,7 @@
                 <a:latin typeface="Arial" panose="020B0604020202020204" pitchFamily="34" charset="0"/>
                 <a:cs typeface="Arial" panose="020B0604020202020204" pitchFamily="34" charset="0"/>
               </a:rPr>
-              <a:t>WHICH ITEM TYPE HAS THE HIGHEST SALES IN AN OUTLET ESTABLISHMENT YEAR?</a:t>
-            </a:r>
-            <a:r>
-              <a:rPr lang="en-US" dirty="0" smtClean="0">
-                <a:latin typeface="Arial" panose="020B0604020202020204" pitchFamily="34" charset="0"/>
-                <a:cs typeface="Arial" panose="020B0604020202020204" pitchFamily="34" charset="0"/>
-              </a:rPr>
-              <a:t> </a:t>
+              <a:t>WHICH ITEM TYPE HAS THE HIGHEST SALES IN AN OUTLET ESTABLISHMENT YEAR? </a:t>
             </a:r>
           </a:p>
           <a:p>
@@ -25398,14 +25067,7 @@
                 <a:latin typeface="Arial" panose="020B0604020202020204" pitchFamily="34" charset="0"/>
                 <a:cs typeface="Arial" panose="020B0604020202020204" pitchFamily="34" charset="0"/>
               </a:rPr>
-              <a:t>WHAT IS THE SALES OF THE OUTLET TYPE ACORDING TO THE OUTLET SIZE?</a:t>
-            </a:r>
-            <a:r>
-              <a:rPr lang="en-US" dirty="0" smtClean="0">
-                <a:latin typeface="Arial" panose="020B0604020202020204" pitchFamily="34" charset="0"/>
-                <a:cs typeface="Arial" panose="020B0604020202020204" pitchFamily="34" charset="0"/>
-              </a:rPr>
-              <a:t> </a:t>
+              <a:t>WHAT IS THE SALES OF THE OUTLET TYPE ACORDING TO THE OUTLET SIZE? </a:t>
             </a:r>
           </a:p>
           <a:p>
@@ -25421,14 +25083,7 @@
                 <a:latin typeface="Arial" panose="020B0604020202020204" pitchFamily="34" charset="0"/>
                 <a:cs typeface="Arial" panose="020B0604020202020204" pitchFamily="34" charset="0"/>
               </a:rPr>
-              <a:t>WHAT IS TOTAL COUNT OF OUTLET TYPE?</a:t>
-            </a:r>
-            <a:r>
-              <a:rPr lang="en-US" dirty="0" smtClean="0">
-                <a:latin typeface="Arial" panose="020B0604020202020204" pitchFamily="34" charset="0"/>
-                <a:cs typeface="Arial" panose="020B0604020202020204" pitchFamily="34" charset="0"/>
-              </a:rPr>
-              <a:t> </a:t>
+              <a:t>WHAT IS TOTAL COUNT OF OUTLET TYPE? </a:t>
             </a:r>
           </a:p>
           <a:p>
@@ -25444,19 +25099,8 @@
                 <a:latin typeface="Arial" panose="020B0604020202020204" pitchFamily="34" charset="0"/>
                 <a:cs typeface="Arial" panose="020B0604020202020204" pitchFamily="34" charset="0"/>
               </a:rPr>
-              <a:t>WHAT IS THE TOTAL SALES OF PARTICULAR LOCATION</a:t>
+              <a:t>WHAT IS THE TOTAL SALES OF PARTICULAR LOCATION </a:t>
             </a:r>
-            <a:r>
-              <a:rPr lang="en-US" dirty="0" smtClean="0">
-                <a:latin typeface="Arial" panose="020B0604020202020204" pitchFamily="34" charset="0"/>
-                <a:cs typeface="Arial" panose="020B0604020202020204" pitchFamily="34" charset="0"/>
-              </a:rPr>
-              <a:t> </a:t>
-            </a:r>
-            <a:endParaRPr lang="en-US" dirty="0">
-              <a:latin typeface="Arial" panose="020B0604020202020204" pitchFamily="34" charset="0"/>
-              <a:cs typeface="Arial" panose="020B0604020202020204" pitchFamily="34" charset="0"/>
-            </a:endParaRPr>
           </a:p>
         </p:txBody>
       </p:sp>
@@ -25470,13 +25114,6 @@
   <p:clrMapOvr>
     <a:masterClrMapping/>
   </p:clrMapOvr>
-  <p:timing>
-    <p:tnLst>
-      <p:par>
-        <p:cTn id="1" dur="indefinite" restart="never" nodeType="tmRoot"/>
-      </p:par>
-    </p:tnLst>
-  </p:timing>
 </p:sld>
 </file>
 
@@ -25521,7 +25158,7 @@
           <a:p>
             <a:pPr algn="ctr"/>
             <a:r>
-              <a:rPr lang="en-US" sz="8000" dirty="0" smtClean="0">
+              <a:rPr lang="en-US" sz="8000" dirty="0">
                 <a:solidFill>
                   <a:schemeClr val="accent4">
                     <a:lumMod val="75000"/>
@@ -25532,15 +25169,6 @@
               </a:rPr>
               <a:t>THANK YOU</a:t>
             </a:r>
-            <a:endParaRPr lang="en-US" sz="8000" dirty="0">
-              <a:solidFill>
-                <a:schemeClr val="accent4">
-                  <a:lumMod val="75000"/>
-                </a:schemeClr>
-              </a:solidFill>
-              <a:latin typeface="Arial" panose="020B0604020202020204" pitchFamily="34" charset="0"/>
-              <a:cs typeface="Arial" panose="020B0604020202020204" pitchFamily="34" charset="0"/>
-            </a:endParaRPr>
           </a:p>
         </p:txBody>
       </p:sp>
@@ -25601,7 +25229,7 @@
               <a:buChar char="q"/>
             </a:pPr>
             <a:r>
-              <a:rPr lang="en-US" dirty="0" smtClean="0">
+              <a:rPr lang="en-US" dirty="0">
                 <a:latin typeface="Arial" panose="020B0604020202020204" pitchFamily="34" charset="0"/>
                 <a:cs typeface="Arial" panose="020B0604020202020204" pitchFamily="34" charset="0"/>
               </a:rPr>
@@ -25667,7 +25295,7 @@
               <a:buChar char="Ø"/>
             </a:pPr>
             <a:r>
-              <a:rPr lang="en-US" dirty="0" smtClean="0">
+              <a:rPr lang="en-US" dirty="0">
                 <a:latin typeface="Arial" panose="020B0604020202020204" pitchFamily="34" charset="0"/>
                 <a:cs typeface="Arial" panose="020B0604020202020204" pitchFamily="34" charset="0"/>
               </a:rPr>
@@ -25686,16 +25314,12 @@
               <a:buChar char="Ø"/>
             </a:pPr>
             <a:r>
-              <a:rPr lang="en-US" dirty="0" smtClean="0">
+              <a:rPr lang="en-US" dirty="0">
                 <a:latin typeface="Arial" panose="020B0604020202020204" pitchFamily="34" charset="0"/>
                 <a:cs typeface="Arial" panose="020B0604020202020204" pitchFamily="34" charset="0"/>
               </a:rPr>
               <a:t>LOWEST – 20765 IN 1998</a:t>
             </a:r>
-            <a:endParaRPr lang="en-US" dirty="0">
-              <a:latin typeface="Arial" panose="020B0604020202020204" pitchFamily="34" charset="0"/>
-              <a:cs typeface="Arial" panose="020B0604020202020204" pitchFamily="34" charset="0"/>
-            </a:endParaRPr>
           </a:p>
         </p:txBody>
       </p:sp>
@@ -25709,13 +25333,6 @@
   <p:clrMapOvr>
     <a:masterClrMapping/>
   </p:clrMapOvr>
-  <p:timing>
-    <p:tnLst>
-      <p:par>
-        <p:cTn id="1" dur="indefinite" restart="never" nodeType="tmRoot"/>
-      </p:par>
-    </p:tnLst>
-  </p:timing>
 </p:sld>
 </file>
 
@@ -25763,7 +25380,7 @@
               <a:buChar char="q"/>
             </a:pPr>
             <a:r>
-              <a:rPr lang="en-US" dirty="0" smtClean="0">
+              <a:rPr lang="en-US" dirty="0">
                 <a:latin typeface="Arial" panose="020B0604020202020204" pitchFamily="34" charset="0"/>
                 <a:cs typeface="Arial" panose="020B0604020202020204" pitchFamily="34" charset="0"/>
               </a:rPr>
@@ -25829,25 +25446,11 @@
               <a:buChar char="Ø"/>
             </a:pPr>
             <a:r>
-              <a:rPr lang="en-US" dirty="0" smtClean="0">
-                <a:latin typeface="Arial" panose="020B0604020202020204" pitchFamily="34" charset="0"/>
-                <a:cs typeface="Arial" panose="020B0604020202020204" pitchFamily="34" charset="0"/>
-              </a:rPr>
-              <a:t>HIGHEST - FRUITS </a:t>
-            </a:r>
-            <a:r>
               <a:rPr lang="en-US" dirty="0">
                 <a:latin typeface="Arial" panose="020B0604020202020204" pitchFamily="34" charset="0"/>
                 <a:cs typeface="Arial" panose="020B0604020202020204" pitchFamily="34" charset="0"/>
               </a:rPr>
-              <a:t>AND </a:t>
-            </a:r>
-            <a:r>
-              <a:rPr lang="en-US" dirty="0" smtClean="0">
-                <a:latin typeface="Arial" panose="020B0604020202020204" pitchFamily="34" charset="0"/>
-                <a:cs typeface="Arial" panose="020B0604020202020204" pitchFamily="34" charset="0"/>
-              </a:rPr>
-              <a:t>VEGETABLES</a:t>
+              <a:t>HIGHEST - FRUITS AND VEGETABLES</a:t>
             </a:r>
           </a:p>
           <a:p>
@@ -25865,18 +25468,11 @@
               <a:buChar char="Ø"/>
             </a:pPr>
             <a:r>
-              <a:rPr lang="en-US" dirty="0" smtClean="0">
-                <a:latin typeface="Arial" panose="020B0604020202020204" pitchFamily="34" charset="0"/>
-                <a:cs typeface="Arial" panose="020B0604020202020204" pitchFamily="34" charset="0"/>
-              </a:rPr>
-              <a:t>LOWEST - SEAFOOD</a:t>
-            </a:r>
-            <a:r>
               <a:rPr lang="en-US" dirty="0">
                 <a:latin typeface="Arial" panose="020B0604020202020204" pitchFamily="34" charset="0"/>
                 <a:cs typeface="Arial" panose="020B0604020202020204" pitchFamily="34" charset="0"/>
               </a:rPr>
-              <a:t>	</a:t>
+              <a:t>LOWEST - SEAFOOD	</a:t>
             </a:r>
           </a:p>
           <a:p>
@@ -25901,13 +25497,6 @@
   <p:clrMapOvr>
     <a:masterClrMapping/>
   </p:clrMapOvr>
-  <p:timing>
-    <p:tnLst>
-      <p:par>
-        <p:cTn id="1" dur="indefinite" restart="never" nodeType="tmRoot"/>
-      </p:par>
-    </p:tnLst>
-  </p:timing>
 </p:sld>
 </file>
 
@@ -25955,7 +25544,7 @@
               <a:buChar char="q"/>
             </a:pPr>
             <a:r>
-              <a:rPr lang="en-US" dirty="0" smtClean="0">
+              <a:rPr lang="en-US" dirty="0">
                 <a:latin typeface="Arial" panose="020B0604020202020204" pitchFamily="34" charset="0"/>
                 <a:cs typeface="Arial" panose="020B0604020202020204" pitchFamily="34" charset="0"/>
               </a:rPr>
@@ -26025,7 +25614,7 @@
               <a:buChar char="Ø"/>
             </a:pPr>
             <a:r>
-              <a:rPr lang="en-US" dirty="0" smtClean="0">
+              <a:rPr lang="en-US" dirty="0">
                 <a:latin typeface="Arial" panose="020B0604020202020204" pitchFamily="34" charset="0"/>
                 <a:cs typeface="Arial" panose="020B0604020202020204" pitchFamily="34" charset="0"/>
               </a:rPr>
@@ -26044,16 +25633,12 @@
               <a:buChar char="Ø"/>
             </a:pPr>
             <a:r>
-              <a:rPr lang="en-US" dirty="0" smtClean="0">
+              <a:rPr lang="en-US" dirty="0">
                 <a:latin typeface="Arial" panose="020B0604020202020204" pitchFamily="34" charset="0"/>
                 <a:cs typeface="Arial" panose="020B0604020202020204" pitchFamily="34" charset="0"/>
               </a:rPr>
               <a:t>MINIMUM - 34</a:t>
             </a:r>
-            <a:endParaRPr lang="en-US" dirty="0">
-              <a:latin typeface="Arial" panose="020B0604020202020204" pitchFamily="34" charset="0"/>
-              <a:cs typeface="Arial" panose="020B0604020202020204" pitchFamily="34" charset="0"/>
-            </a:endParaRPr>
           </a:p>
           <a:p>
             <a:pPr marL="285750" indent="-285750">
@@ -26077,13 +25662,6 @@
   <p:clrMapOvr>
     <a:masterClrMapping/>
   </p:clrMapOvr>
-  <p:timing>
-    <p:tnLst>
-      <p:par>
-        <p:cTn id="1" dur="indefinite" restart="never" nodeType="tmRoot"/>
-      </p:par>
-    </p:tnLst>
-  </p:timing>
 </p:sld>
 </file>
 
@@ -26131,7 +25709,7 @@
               <a:buChar char="q"/>
             </a:pPr>
             <a:r>
-              <a:rPr lang="en-US" dirty="0" smtClean="0">
+              <a:rPr lang="en-US" dirty="0">
                 <a:latin typeface="Arial" panose="020B0604020202020204" pitchFamily="34" charset="0"/>
                 <a:cs typeface="Arial" panose="020B0604020202020204" pitchFamily="34" charset="0"/>
               </a:rPr>
@@ -26201,51 +25779,30 @@
               <a:buChar char="Ø"/>
             </a:pPr>
             <a:r>
-              <a:rPr lang="en-US" dirty="0" smtClean="0">
+              <a:rPr lang="en-US" dirty="0">
                 <a:latin typeface="Arial" panose="020B0604020202020204" pitchFamily="34" charset="0"/>
                 <a:cs typeface="Arial" panose="020B0604020202020204" pitchFamily="34" charset="0"/>
               </a:rPr>
-              <a:t>HIGHEST - SUPER </a:t>
+              <a:t>HIGHEST - SUPER MARKET 1</a:t>
             </a:r>
+          </a:p>
+          <a:p>
+            <a:endParaRPr lang="en-US" dirty="0">
+              <a:latin typeface="Arial" panose="020B0604020202020204" pitchFamily="34" charset="0"/>
+              <a:cs typeface="Arial" panose="020B0604020202020204" pitchFamily="34" charset="0"/>
+            </a:endParaRPr>
+          </a:p>
+          <a:p>
+            <a:pPr marL="285750" indent="-285750">
+              <a:buFont typeface="Wingdings" panose="05000000000000000000" pitchFamily="2" charset="2"/>
+              <a:buChar char="Ø"/>
+            </a:pPr>
             <a:r>
               <a:rPr lang="en-US" dirty="0">
                 <a:latin typeface="Arial" panose="020B0604020202020204" pitchFamily="34" charset="0"/>
                 <a:cs typeface="Arial" panose="020B0604020202020204" pitchFamily="34" charset="0"/>
               </a:rPr>
-              <a:t>MARKET </a:t>
-            </a:r>
-            <a:r>
-              <a:rPr lang="en-US" dirty="0" smtClean="0">
-                <a:latin typeface="Arial" panose="020B0604020202020204" pitchFamily="34" charset="0"/>
-                <a:cs typeface="Arial" panose="020B0604020202020204" pitchFamily="34" charset="0"/>
-              </a:rPr>
-              <a:t>1</a:t>
-            </a:r>
-          </a:p>
-          <a:p>
-            <a:endParaRPr lang="en-US" dirty="0">
-              <a:latin typeface="Arial" panose="020B0604020202020204" pitchFamily="34" charset="0"/>
-              <a:cs typeface="Arial" panose="020B0604020202020204" pitchFamily="34" charset="0"/>
-            </a:endParaRPr>
-          </a:p>
-          <a:p>
-            <a:pPr marL="285750" indent="-285750">
-              <a:buFont typeface="Wingdings" panose="05000000000000000000" pitchFamily="2" charset="2"/>
-              <a:buChar char="Ø"/>
-            </a:pPr>
-            <a:r>
-              <a:rPr lang="en-US" dirty="0" smtClean="0">
-                <a:latin typeface="Arial" panose="020B0604020202020204" pitchFamily="34" charset="0"/>
-                <a:cs typeface="Arial" panose="020B0604020202020204" pitchFamily="34" charset="0"/>
-              </a:rPr>
-              <a:t>LOWEST - GROCERY </a:t>
-            </a:r>
-            <a:r>
-              <a:rPr lang="en-US" dirty="0">
-                <a:latin typeface="Arial" panose="020B0604020202020204" pitchFamily="34" charset="0"/>
-                <a:cs typeface="Arial" panose="020B0604020202020204" pitchFamily="34" charset="0"/>
-              </a:rPr>
-              <a:t>STORE</a:t>
+              <a:t>LOWEST - GROCERY STORE</a:t>
             </a:r>
           </a:p>
         </p:txBody>
@@ -26260,13 +25817,6 @@
   <p:clrMapOvr>
     <a:masterClrMapping/>
   </p:clrMapOvr>
-  <p:timing>
-    <p:tnLst>
-      <p:par>
-        <p:cTn id="1" dur="indefinite" restart="never" nodeType="tmRoot"/>
-      </p:par>
-    </p:tnLst>
-  </p:timing>
 </p:sld>
 </file>
 
@@ -26314,7 +25864,7 @@
               <a:buChar char="q"/>
             </a:pPr>
             <a:r>
-              <a:rPr lang="en-US" dirty="0" smtClean="0">
+              <a:rPr lang="en-US" dirty="0">
                 <a:latin typeface="Arial" panose="020B0604020202020204" pitchFamily="34" charset="0"/>
                 <a:cs typeface="Arial" panose="020B0604020202020204" pitchFamily="34" charset="0"/>
               </a:rPr>
@@ -26388,19 +25938,8 @@
                 <a:latin typeface="Arial" panose="020B0604020202020204" pitchFamily="34" charset="0"/>
                 <a:cs typeface="Arial" panose="020B0604020202020204" pitchFamily="34" charset="0"/>
               </a:rPr>
-              <a:t>TOTAL </a:t>
+              <a:t>TOTAL MRP - 138088</a:t>
             </a:r>
-            <a:r>
-              <a:rPr lang="en-US" dirty="0" smtClean="0">
-                <a:latin typeface="Arial" panose="020B0604020202020204" pitchFamily="34" charset="0"/>
-                <a:cs typeface="Arial" panose="020B0604020202020204" pitchFamily="34" charset="0"/>
-              </a:rPr>
-              <a:t>MRP - 138088</a:t>
-            </a:r>
-            <a:endParaRPr lang="en-US" dirty="0">
-              <a:latin typeface="Arial" panose="020B0604020202020204" pitchFamily="34" charset="0"/>
-              <a:cs typeface="Arial" panose="020B0604020202020204" pitchFamily="34" charset="0"/>
-            </a:endParaRPr>
           </a:p>
         </p:txBody>
       </p:sp>
@@ -26414,13 +25953,6 @@
   <p:clrMapOvr>
     <a:masterClrMapping/>
   </p:clrMapOvr>
-  <p:timing>
-    <p:tnLst>
-      <p:par>
-        <p:cTn id="1" dur="indefinite" restart="never" nodeType="tmRoot"/>
-      </p:par>
-    </p:tnLst>
-  </p:timing>
 </p:sld>
 </file>
 
@@ -26468,7 +26000,7 @@
               <a:buChar char="q"/>
             </a:pPr>
             <a:r>
-              <a:rPr lang="en-US" dirty="0" smtClean="0">
+              <a:rPr lang="en-US" dirty="0">
                 <a:latin typeface="Arial" panose="020B0604020202020204" pitchFamily="34" charset="0"/>
                 <a:cs typeface="Arial" panose="020B0604020202020204" pitchFamily="34" charset="0"/>
               </a:rPr>
@@ -26542,14 +26074,7 @@
                 <a:latin typeface="Arial" panose="020B0604020202020204" pitchFamily="34" charset="0"/>
                 <a:cs typeface="Arial" panose="020B0604020202020204" pitchFamily="34" charset="0"/>
               </a:rPr>
-              <a:t>LOW </a:t>
-            </a:r>
-            <a:r>
-              <a:rPr lang="en-US" dirty="0" smtClean="0">
-                <a:latin typeface="Arial" panose="020B0604020202020204" pitchFamily="34" charset="0"/>
-                <a:cs typeface="Arial" panose="020B0604020202020204" pitchFamily="34" charset="0"/>
-              </a:rPr>
-              <a:t>FAT – 635</a:t>
+              <a:t>LOW FAT – 635</a:t>
             </a:r>
           </a:p>
           <a:p>
@@ -26558,16 +26083,12 @@
               <a:buChar char="Ø"/>
             </a:pPr>
             <a:r>
-              <a:rPr lang="en-US" dirty="0" smtClean="0">
+              <a:rPr lang="en-US" dirty="0">
                 <a:latin typeface="Arial" panose="020B0604020202020204" pitchFamily="34" charset="0"/>
                 <a:cs typeface="Arial" panose="020B0604020202020204" pitchFamily="34" charset="0"/>
               </a:rPr>
               <a:t>REGULAR - 328</a:t>
             </a:r>
-            <a:endParaRPr lang="en-US" dirty="0">
-              <a:latin typeface="Arial" panose="020B0604020202020204" pitchFamily="34" charset="0"/>
-              <a:cs typeface="Arial" panose="020B0604020202020204" pitchFamily="34" charset="0"/>
-            </a:endParaRPr>
           </a:p>
           <a:p>
             <a:pPr marL="285750" indent="-285750">
@@ -26575,16 +26096,12 @@
               <a:buChar char="Ø"/>
             </a:pPr>
             <a:r>
-              <a:rPr lang="en-US" dirty="0" smtClean="0">
+              <a:rPr lang="en-US" dirty="0">
                 <a:latin typeface="Arial" panose="020B0604020202020204" pitchFamily="34" charset="0"/>
                 <a:cs typeface="Arial" panose="020B0604020202020204" pitchFamily="34" charset="0"/>
               </a:rPr>
               <a:t>LF - 26</a:t>
             </a:r>
-            <a:endParaRPr lang="en-US" dirty="0">
-              <a:latin typeface="Arial" panose="020B0604020202020204" pitchFamily="34" charset="0"/>
-              <a:cs typeface="Arial" panose="020B0604020202020204" pitchFamily="34" charset="0"/>
-            </a:endParaRPr>
           </a:p>
           <a:p>
             <a:pPr marL="285750" indent="-285750">
@@ -26592,16 +26109,12 @@
               <a:buChar char="Ø"/>
             </a:pPr>
             <a:r>
-              <a:rPr lang="en-US" dirty="0" smtClean="0">
+              <a:rPr lang="en-US" dirty="0">
                 <a:latin typeface="Arial" panose="020B0604020202020204" pitchFamily="34" charset="0"/>
                 <a:cs typeface="Arial" panose="020B0604020202020204" pitchFamily="34" charset="0"/>
               </a:rPr>
               <a:t>REG - 11</a:t>
             </a:r>
-            <a:endParaRPr lang="en-US" dirty="0">
-              <a:latin typeface="Arial" panose="020B0604020202020204" pitchFamily="34" charset="0"/>
-              <a:cs typeface="Arial" panose="020B0604020202020204" pitchFamily="34" charset="0"/>
-            </a:endParaRPr>
           </a:p>
           <a:p>
             <a:pPr marL="285750" indent="-285750">
@@ -26655,13 +26168,6 @@
   <p:clrMapOvr>
     <a:masterClrMapping/>
   </p:clrMapOvr>
-  <p:timing>
-    <p:tnLst>
-      <p:par>
-        <p:cTn id="1" dur="indefinite" restart="never" nodeType="tmRoot"/>
-      </p:par>
-    </p:tnLst>
-  </p:timing>
 </p:sld>
 </file>
 
@@ -26709,7 +26215,7 @@
               <a:buChar char="q"/>
             </a:pPr>
             <a:r>
-              <a:rPr lang="en-US" dirty="0" smtClean="0">
+              <a:rPr lang="en-US" dirty="0">
                 <a:latin typeface="Arial" panose="020B0604020202020204" pitchFamily="34" charset="0"/>
                 <a:cs typeface="Arial" panose="020B0604020202020204" pitchFamily="34" charset="0"/>
               </a:rPr>
@@ -26779,7 +26285,7 @@
               <a:buChar char="Ø"/>
             </a:pPr>
             <a:r>
-              <a:rPr lang="en-US" dirty="0" smtClean="0">
+              <a:rPr lang="en-US" dirty="0">
                 <a:latin typeface="Arial" panose="020B0604020202020204" pitchFamily="34" charset="0"/>
                 <a:cs typeface="Arial" panose="020B0604020202020204" pitchFamily="34" charset="0"/>
               </a:rPr>
@@ -26798,16 +26304,12 @@
               <a:buChar char="Ø"/>
             </a:pPr>
             <a:r>
-              <a:rPr lang="en-US" dirty="0" smtClean="0">
+              <a:rPr lang="en-US" dirty="0">
                 <a:latin typeface="Arial" panose="020B0604020202020204" pitchFamily="34" charset="0"/>
                 <a:cs typeface="Arial" panose="020B0604020202020204" pitchFamily="34" charset="0"/>
               </a:rPr>
               <a:t>LOW - 1998</a:t>
             </a:r>
-            <a:endParaRPr lang="en-US" dirty="0">
-              <a:latin typeface="Arial" panose="020B0604020202020204" pitchFamily="34" charset="0"/>
-              <a:cs typeface="Arial" panose="020B0604020202020204" pitchFamily="34" charset="0"/>
-            </a:endParaRPr>
           </a:p>
           <a:p>
             <a:pPr marL="285750" indent="-285750">
@@ -26831,13 +26333,6 @@
   <p:clrMapOvr>
     <a:masterClrMapping/>
   </p:clrMapOvr>
-  <p:timing>
-    <p:tnLst>
-      <p:par>
-        <p:cTn id="1" dur="indefinite" restart="never" nodeType="tmRoot"/>
-      </p:par>
-    </p:tnLst>
-  </p:timing>
 </p:sld>
 </file>
 
